--- a/AudioContext.pptx
+++ b/AudioContext.pptx
@@ -12,7 +12,18 @@
     <p:sldId id="269" r:id="rId7"/>
     <p:sldId id="261" r:id="rId8"/>
     <p:sldId id="262" r:id="rId9"/>
-    <p:sldId id="264" r:id="rId10"/>
+    <p:sldId id="273" r:id="rId10"/>
+    <p:sldId id="276" r:id="rId11"/>
+    <p:sldId id="274" r:id="rId12"/>
+    <p:sldId id="279" r:id="rId13"/>
+    <p:sldId id="280" r:id="rId14"/>
+    <p:sldId id="275" r:id="rId15"/>
+    <p:sldId id="277" r:id="rId16"/>
+    <p:sldId id="278" r:id="rId17"/>
+    <p:sldId id="283" r:id="rId18"/>
+    <p:sldId id="281" r:id="rId19"/>
+    <p:sldId id="282" r:id="rId20"/>
+    <p:sldId id="264" r:id="rId21"/>
   </p:sldIdLst>
   <p:sldSz cx="9144000" cy="6858000" type="screen4x3"/>
   <p:notesSz cx="6858000" cy="9144000"/>
@@ -3780,8 +3791,8 @@
         </p:nvSpPr>
         <p:spPr>
           <a:xfrm>
-            <a:off x="71406" y="1500174"/>
-            <a:ext cx="8715436" cy="1798641"/>
+            <a:off x="71120" y="1499870"/>
+            <a:ext cx="8435340" cy="1798955"/>
           </a:xfrm>
         </p:spPr>
         <p:txBody>
@@ -3797,12 +3808,61 @@
               </a:rPr>
               <a:t>WEB MP3 PLAYER</a:t>
             </a:r>
-            <a:br>
-              <a:rPr lang="en-US" altLang="zh-CN" sz="4000" dirty="0">
-                <a:latin typeface="Microsoft JhengHei UI" panose="020B0604030504040204" pitchFamily="34" charset="-120"/>
-                <a:ea typeface="Microsoft JhengHei UI" panose="020B0604030504040204" pitchFamily="34" charset="-120"/>
-              </a:rPr>
-            </a:br>
+            <a:endParaRPr lang="en-US" altLang="zh-CN" sz="4000" dirty="0">
+              <a:latin typeface="Microsoft JhengHei UI" panose="020B0604030504040204" pitchFamily="34" charset="-120"/>
+              <a:ea typeface="Microsoft JhengHei UI" panose="020B0604030504040204" pitchFamily="34" charset="-120"/>
+            </a:endParaRPr>
+          </a:p>
+        </p:txBody>
+      </p:sp>
+      <p:sp>
+        <p:nvSpPr>
+          <p:cNvPr id="3" name="标题 1"/>
+          <p:cNvSpPr>
+            <a:spLocks noGrp="1"/>
+          </p:cNvSpPr>
+          <p:nvPr/>
+        </p:nvSpPr>
+        <p:spPr>
+          <a:xfrm>
+            <a:off x="126365" y="3923030"/>
+            <a:ext cx="8247380" cy="1798955"/>
+          </a:xfrm>
+          <a:prstGeom prst="rect">
+            <a:avLst/>
+          </a:prstGeom>
+        </p:spPr>
+        <p:txBody>
+          <a:bodyPr vert="horz" lIns="45720" rIns="45720" bIns="45720" anchor="b">
+            <a:normAutofit/>
+          </a:bodyPr>
+          <a:lstStyle>
+            <a:lvl1pPr algn="r" rtl="0" eaLnBrk="1" latinLnBrk="0" hangingPunct="1">
+              <a:spcBef>
+                <a:spcPct val="0"/>
+              </a:spcBef>
+              <a:buNone/>
+              <a:defRPr kumimoji="0" sz="4500" b="1" kern="1200">
+                <a:solidFill>
+                  <a:schemeClr val="accent1">
+                    <a:tint val="88000"/>
+                    <a:satMod val="150000"/>
+                  </a:schemeClr>
+                </a:solidFill>
+                <a:effectLst>
+                  <a:outerShdw blurRad="53975" dist="22860" dir="5400000" algn="tl" rotWithShape="0">
+                    <a:srgbClr val="000000">
+                      <a:alpha val="55000"/>
+                    </a:srgbClr>
+                  </a:outerShdw>
+                </a:effectLst>
+                <a:latin typeface="+mj-lt"/>
+                <a:ea typeface="+mj-ea"/>
+                <a:cs typeface="+mj-cs"/>
+              </a:defRPr>
+            </a:lvl1pPr>
+          </a:lstStyle>
+          <a:p>
             <a:r>
               <a:rPr lang="en-US" altLang="zh-CN" sz="4000" dirty="0">
                 <a:latin typeface="Microsoft JhengHei UI" panose="020B0604030504040204" pitchFamily="34" charset="-120"/>
@@ -3828,16 +3888,1365 @@
 </p:sld>
 </file>
 
+<file path=ppt/slides/slide10.xml><?xml version="1.0" encoding="utf-8"?>
+<p:sld xmlns:a="http://schemas.openxmlformats.org/drawingml/2006/main" xmlns:r="http://schemas.openxmlformats.org/officeDocument/2006/relationships" xmlns:p="http://schemas.openxmlformats.org/presentationml/2006/main">
+  <p:cSld>
+    <p:spTree>
+      <p:nvGrpSpPr>
+        <p:cNvPr id="1" name=""/>
+        <p:cNvGrpSpPr/>
+        <p:nvPr/>
+      </p:nvGrpSpPr>
+      <p:grpSpPr/>
+      <p:pic>
+        <p:nvPicPr>
+          <p:cNvPr id="4" name="图片 3"/>
+          <p:cNvPicPr>
+            <a:picLocks noChangeAspect="1"/>
+          </p:cNvPicPr>
+          <p:nvPr/>
+        </p:nvPicPr>
+        <p:blipFill>
+          <a:blip r:embed="rId1"/>
+          <a:stretch>
+            <a:fillRect/>
+          </a:stretch>
+        </p:blipFill>
+        <p:spPr>
+          <a:xfrm>
+            <a:off x="610870" y="1715135"/>
+            <a:ext cx="6616700" cy="2138045"/>
+          </a:xfrm>
+          <a:prstGeom prst="rect">
+            <a:avLst/>
+          </a:prstGeom>
+        </p:spPr>
+      </p:pic>
+      <p:sp>
+        <p:nvSpPr>
+          <p:cNvPr id="8" name="标题 7"/>
+          <p:cNvSpPr>
+            <a:spLocks noGrp="1"/>
+          </p:cNvSpPr>
+          <p:nvPr>
+            <p:ph type="title"/>
+          </p:nvPr>
+        </p:nvSpPr>
+        <p:spPr>
+          <a:xfrm>
+            <a:off x="480060" y="608965"/>
+            <a:ext cx="8183880" cy="625475"/>
+          </a:xfrm>
+        </p:spPr>
+        <p:txBody>
+          <a:bodyPr>
+            <a:normAutofit fontScale="90000"/>
+          </a:bodyPr>
+          <a:p>
+            <a:r>
+              <a:rPr lang="en-US" altLang="zh-CN" dirty="0"/>
+              <a:t>MP3</a:t>
+            </a:r>
+            <a:r>
+              <a:rPr lang="zh-CN" altLang="en-US" dirty="0"/>
+              <a:t>文件总体格式</a:t>
+            </a:r>
+            <a:r>
+              <a:rPr lang="zh-CN" altLang="en-US" dirty="0"/>
+              <a:t>：</a:t>
+            </a:r>
+            <a:endParaRPr lang="zh-CN" altLang="en-US" dirty="0"/>
+          </a:p>
+        </p:txBody>
+      </p:sp>
+      <p:sp>
+        <p:nvSpPr>
+          <p:cNvPr id="6" name="文本框 5"/>
+          <p:cNvSpPr txBox="1"/>
+          <p:nvPr/>
+        </p:nvSpPr>
+        <p:spPr>
+          <a:xfrm>
+            <a:off x="572770" y="4250055"/>
+            <a:ext cx="8031480" cy="645160"/>
+          </a:xfrm>
+          <a:prstGeom prst="rect">
+            <a:avLst/>
+          </a:prstGeom>
+          <a:noFill/>
+        </p:spPr>
+        <p:txBody>
+          <a:bodyPr wrap="square" rtlCol="0">
+            <a:spAutoFit/>
+          </a:bodyPr>
+          <a:p>
+            <a:r>
+              <a:rPr lang="en-US" altLang="zh-CN"/>
+              <a:t>ID3V2</a:t>
+            </a:r>
+            <a:r>
+              <a:rPr lang="zh-CN" altLang="en-US"/>
+              <a:t>的标志信息为</a:t>
+            </a:r>
+            <a:r>
+              <a:rPr lang="en-US" altLang="zh-CN"/>
+              <a:t>ID3</a:t>
+            </a:r>
+            <a:r>
+              <a:rPr lang="zh-CN" altLang="en-US"/>
+              <a:t>，</a:t>
+            </a:r>
+            <a:r>
+              <a:rPr lang="en-US" altLang="zh-CN"/>
+              <a:t>ID3V1</a:t>
+            </a:r>
+            <a:r>
+              <a:rPr lang="zh-CN" altLang="en-US"/>
+              <a:t>的标志信息为</a:t>
+            </a:r>
+            <a:r>
+              <a:rPr lang="en-US" altLang="zh-CN"/>
+              <a:t>TAG</a:t>
+            </a:r>
+            <a:r>
+              <a:rPr lang="zh-CN" altLang="en-US"/>
+              <a:t>（还有一种标签信息规范为</a:t>
+            </a:r>
+            <a:r>
+              <a:rPr lang="en-US" altLang="zh-CN"/>
+              <a:t>APV2</a:t>
+            </a:r>
+            <a:r>
+              <a:rPr lang="zh-CN" altLang="en-US"/>
+              <a:t>，类似</a:t>
+            </a:r>
+            <a:r>
+              <a:rPr lang="en-US" altLang="zh-CN"/>
+              <a:t>ID3V2</a:t>
+            </a:r>
+            <a:r>
+              <a:rPr lang="zh-CN" altLang="en-US"/>
+              <a:t>，实际中比较少用）。</a:t>
+            </a:r>
+            <a:endParaRPr lang="zh-CN" altLang="en-US"/>
+          </a:p>
+        </p:txBody>
+      </p:sp>
+      <p:sp>
+        <p:nvSpPr>
+          <p:cNvPr id="7" name="文本框 6"/>
+          <p:cNvSpPr txBox="1"/>
+          <p:nvPr/>
+        </p:nvSpPr>
+        <p:spPr>
+          <a:xfrm>
+            <a:off x="611505" y="4975860"/>
+            <a:ext cx="7776845" cy="922020"/>
+          </a:xfrm>
+          <a:prstGeom prst="rect">
+            <a:avLst/>
+          </a:prstGeom>
+          <a:noFill/>
+        </p:spPr>
+        <p:txBody>
+          <a:bodyPr wrap="square" rtlCol="0">
+            <a:spAutoFit/>
+          </a:bodyPr>
+          <a:p>
+            <a:r>
+              <a:rPr lang="en-US" altLang="zh-CN"/>
+              <a:t>ID3V2</a:t>
+            </a:r>
+            <a:r>
+              <a:rPr lang="zh-CN" altLang="en-US"/>
+              <a:t>长度可变，最大可为</a:t>
+            </a:r>
+            <a:r>
+              <a:rPr lang="en-US" altLang="zh-CN"/>
+              <a:t>200</a:t>
+            </a:r>
+            <a:r>
+              <a:rPr lang="zh-CN" altLang="en-US"/>
+              <a:t>多</a:t>
+            </a:r>
+            <a:r>
+              <a:rPr lang="en-US" altLang="zh-CN"/>
+              <a:t>M</a:t>
+            </a:r>
+            <a:r>
+              <a:rPr lang="zh-CN" altLang="en-US"/>
+              <a:t>，由于这部分信息实际播放不需要，解析时候需要去除该部分。其头部开始的第</a:t>
+            </a:r>
+            <a:r>
+              <a:rPr lang="en-US" altLang="zh-CN"/>
+              <a:t>7,8,9,10</a:t>
+            </a:r>
+            <a:r>
+              <a:rPr lang="zh-CN" altLang="en-US"/>
+              <a:t>四个字节存储了其总的大小。</a:t>
+            </a:r>
+            <a:endParaRPr lang="zh-CN" altLang="en-US"/>
+          </a:p>
+        </p:txBody>
+      </p:sp>
+    </p:spTree>
+  </p:cSld>
+  <p:clrMapOvr>
+    <a:masterClrMapping/>
+  </p:clrMapOvr>
+</p:sld>
+</file>
+
+<file path=ppt/slides/slide11.xml><?xml version="1.0" encoding="utf-8"?>
+<p:sld xmlns:a="http://schemas.openxmlformats.org/drawingml/2006/main" xmlns:r="http://schemas.openxmlformats.org/officeDocument/2006/relationships" xmlns:p="http://schemas.openxmlformats.org/presentationml/2006/main">
+  <p:cSld>
+    <p:spTree>
+      <p:nvGrpSpPr>
+        <p:cNvPr id="1" name=""/>
+        <p:cNvGrpSpPr/>
+        <p:nvPr/>
+      </p:nvGrpSpPr>
+      <p:grpSpPr/>
+      <p:sp>
+        <p:nvSpPr>
+          <p:cNvPr id="8" name="标题 7"/>
+          <p:cNvSpPr>
+            <a:spLocks noGrp="1"/>
+          </p:cNvSpPr>
+          <p:nvPr>
+            <p:ph type="title"/>
+          </p:nvPr>
+        </p:nvSpPr>
+        <p:spPr>
+          <a:xfrm>
+            <a:off x="480060" y="608965"/>
+            <a:ext cx="8183880" cy="625475"/>
+          </a:xfrm>
+        </p:spPr>
+        <p:txBody>
+          <a:bodyPr>
+            <a:normAutofit fontScale="90000"/>
+          </a:bodyPr>
+          <a:p>
+            <a:r>
+              <a:rPr lang="en-US" altLang="zh-CN" dirty="0"/>
+              <a:t>MP3</a:t>
+            </a:r>
+            <a:r>
+              <a:rPr lang="zh-CN" altLang="en-US" dirty="0"/>
+              <a:t>文件总体格式：</a:t>
+            </a:r>
+            <a:endParaRPr lang="zh-CN" altLang="en-US" dirty="0"/>
+          </a:p>
+        </p:txBody>
+      </p:sp>
+      <p:pic>
+        <p:nvPicPr>
+          <p:cNvPr id="2" name="图片 1"/>
+          <p:cNvPicPr>
+            <a:picLocks noChangeAspect="1"/>
+          </p:cNvPicPr>
+          <p:nvPr/>
+        </p:nvPicPr>
+        <p:blipFill>
+          <a:blip r:embed="rId1"/>
+          <a:stretch>
+            <a:fillRect/>
+          </a:stretch>
+        </p:blipFill>
+        <p:spPr>
+          <a:xfrm>
+            <a:off x="697230" y="1234440"/>
+            <a:ext cx="6795135" cy="1926590"/>
+          </a:xfrm>
+          <a:prstGeom prst="rect">
+            <a:avLst/>
+          </a:prstGeom>
+        </p:spPr>
+      </p:pic>
+      <p:pic>
+        <p:nvPicPr>
+          <p:cNvPr id="3" name="图片 2"/>
+          <p:cNvPicPr>
+            <a:picLocks noChangeAspect="1"/>
+          </p:cNvPicPr>
+          <p:nvPr/>
+        </p:nvPicPr>
+        <p:blipFill>
+          <a:blip r:embed="rId2"/>
+          <a:stretch>
+            <a:fillRect/>
+          </a:stretch>
+        </p:blipFill>
+        <p:spPr>
+          <a:xfrm>
+            <a:off x="697230" y="3771900"/>
+            <a:ext cx="6794500" cy="1873250"/>
+          </a:xfrm>
+          <a:prstGeom prst="rect">
+            <a:avLst/>
+          </a:prstGeom>
+        </p:spPr>
+      </p:pic>
+    </p:spTree>
+  </p:cSld>
+  <p:clrMapOvr>
+    <a:masterClrMapping/>
+  </p:clrMapOvr>
+</p:sld>
+</file>
+
+<file path=ppt/slides/slide12.xml><?xml version="1.0" encoding="utf-8"?>
+<p:sld xmlns:a="http://schemas.openxmlformats.org/drawingml/2006/main" xmlns:r="http://schemas.openxmlformats.org/officeDocument/2006/relationships" xmlns:p="http://schemas.openxmlformats.org/presentationml/2006/main">
+  <p:cSld>
+    <p:spTree>
+      <p:nvGrpSpPr>
+        <p:cNvPr id="1" name=""/>
+        <p:cNvGrpSpPr/>
+        <p:nvPr/>
+      </p:nvGrpSpPr>
+      <p:grpSpPr/>
+      <p:sp>
+        <p:nvSpPr>
+          <p:cNvPr id="2" name="文本框 1"/>
+          <p:cNvSpPr txBox="1"/>
+          <p:nvPr/>
+        </p:nvSpPr>
+        <p:spPr>
+          <a:xfrm>
+            <a:off x="1868805" y="2256790"/>
+            <a:ext cx="5285740" cy="521970"/>
+          </a:xfrm>
+          <a:prstGeom prst="rect">
+            <a:avLst/>
+          </a:prstGeom>
+          <a:noFill/>
+        </p:spPr>
+        <p:txBody>
+          <a:bodyPr wrap="square" rtlCol="0">
+            <a:spAutoFit/>
+          </a:bodyPr>
+          <a:p>
+            <a:pPr marL="285750" indent="-285750">
+              <a:buFont typeface="Arial" panose="020B0604020202020204" pitchFamily="34" charset="0"/>
+              <a:buChar char="•"/>
+            </a:pPr>
+            <a:r>
+              <a:rPr lang="en-US" altLang="zh-CN" sz="2800" dirty="0">
+                <a:sym typeface="+mn-ea"/>
+              </a:rPr>
+              <a:t>VBR</a:t>
+            </a:r>
+            <a:r>
+              <a:rPr lang="zh-CN" altLang="en-US" sz="2800" dirty="0">
+                <a:sym typeface="+mn-ea"/>
+              </a:rPr>
+              <a:t>（动态码率</a:t>
+            </a:r>
+            <a:r>
+              <a:rPr lang="en-US" altLang="zh-CN" sz="2800" dirty="0">
+                <a:sym typeface="+mn-ea"/>
+              </a:rPr>
+              <a:t>/</a:t>
+            </a:r>
+            <a:r>
+              <a:rPr lang="zh-CN" altLang="en-US" sz="2800" dirty="0">
+                <a:sym typeface="+mn-ea"/>
+              </a:rPr>
+              <a:t>比特率）</a:t>
+            </a:r>
+            <a:endParaRPr lang="zh-CN" altLang="en-US" sz="2800"/>
+          </a:p>
+        </p:txBody>
+      </p:sp>
+      <p:sp>
+        <p:nvSpPr>
+          <p:cNvPr id="3" name="标题 4"/>
+          <p:cNvSpPr>
+            <a:spLocks noGrp="1"/>
+          </p:cNvSpPr>
+          <p:nvPr/>
+        </p:nvSpPr>
+        <p:spPr>
+          <a:xfrm>
+            <a:off x="480060" y="608965"/>
+            <a:ext cx="8183880" cy="625475"/>
+          </a:xfrm>
+          <a:prstGeom prst="rect">
+            <a:avLst/>
+          </a:prstGeom>
+        </p:spPr>
+        <p:txBody>
+          <a:bodyPr vert="horz" anchor="b">
+            <a:normAutofit fontScale="70000"/>
+          </a:bodyPr>
+          <a:lstStyle>
+            <a:lvl1pPr algn="l" rtl="0" eaLnBrk="1" latinLnBrk="0" hangingPunct="1">
+              <a:spcBef>
+                <a:spcPct val="0"/>
+              </a:spcBef>
+              <a:buNone/>
+              <a:defRPr kumimoji="0" sz="3600" b="1" kern="1200">
+                <a:solidFill>
+                  <a:schemeClr val="accent1">
+                    <a:tint val="88000"/>
+                    <a:satMod val="150000"/>
+                  </a:schemeClr>
+                </a:solidFill>
+                <a:effectLst>
+                  <a:outerShdw blurRad="53975" dist="22860" dir="5400000" algn="tl" rotWithShape="0">
+                    <a:srgbClr val="000000">
+                      <a:alpha val="55000"/>
+                    </a:srgbClr>
+                  </a:outerShdw>
+                </a:effectLst>
+                <a:latin typeface="+mj-lt"/>
+                <a:ea typeface="+mj-ea"/>
+                <a:cs typeface="+mj-cs"/>
+              </a:defRPr>
+            </a:lvl1pPr>
+          </a:lstStyle>
+          <a:p>
+            <a:r>
+              <a:rPr lang="zh-CN" altLang="en-US" dirty="0">
+                <a:sym typeface="+mn-ea"/>
+              </a:rPr>
+              <a:t>根据码率模式的不同，</a:t>
+            </a:r>
+            <a:r>
+              <a:rPr lang="en-US" altLang="zh-CN" dirty="0">
+                <a:sym typeface="+mn-ea"/>
+              </a:rPr>
+              <a:t>MP3</a:t>
+            </a:r>
+            <a:r>
+              <a:rPr lang="zh-CN" altLang="en-US" dirty="0">
+                <a:sym typeface="+mn-ea"/>
+              </a:rPr>
+              <a:t>文件可以分为两种类型：</a:t>
+            </a:r>
+            <a:endParaRPr lang="zh-CN" altLang="en-US" dirty="0"/>
+          </a:p>
+        </p:txBody>
+      </p:sp>
+      <p:sp>
+        <p:nvSpPr>
+          <p:cNvPr id="7" name="文本框 6"/>
+          <p:cNvSpPr txBox="1"/>
+          <p:nvPr/>
+        </p:nvSpPr>
+        <p:spPr>
+          <a:xfrm>
+            <a:off x="1852295" y="3101340"/>
+            <a:ext cx="5302250" cy="583565"/>
+          </a:xfrm>
+          <a:prstGeom prst="rect">
+            <a:avLst/>
+          </a:prstGeom>
+          <a:noFill/>
+        </p:spPr>
+        <p:txBody>
+          <a:bodyPr wrap="square" rtlCol="0">
+            <a:spAutoFit/>
+          </a:bodyPr>
+          <a:p>
+            <a:pPr marL="285750" indent="-285750">
+              <a:buFont typeface="Arial" panose="020B0604020202020204" pitchFamily="34" charset="0"/>
+              <a:buChar char="•"/>
+            </a:pPr>
+            <a:r>
+              <a:rPr lang="en-US" altLang="zh-CN" sz="3200" dirty="0">
+                <a:sym typeface="+mn-ea"/>
+              </a:rPr>
+              <a:t>CBR</a:t>
+            </a:r>
+            <a:r>
+              <a:rPr lang="zh-CN" altLang="en-US" sz="3200" dirty="0">
+                <a:sym typeface="+mn-ea"/>
+              </a:rPr>
+              <a:t>（动态码率</a:t>
+            </a:r>
+            <a:r>
+              <a:rPr lang="en-US" altLang="zh-CN" sz="3200" dirty="0">
+                <a:sym typeface="+mn-ea"/>
+              </a:rPr>
+              <a:t>/</a:t>
+            </a:r>
+            <a:r>
+              <a:rPr lang="zh-CN" altLang="en-US" sz="3200" dirty="0">
+                <a:sym typeface="+mn-ea"/>
+              </a:rPr>
+              <a:t>比特率）</a:t>
+            </a:r>
+            <a:endParaRPr lang="zh-CN" altLang="en-US" sz="3200"/>
+          </a:p>
+        </p:txBody>
+      </p:sp>
+    </p:spTree>
+  </p:cSld>
+  <p:clrMapOvr>
+    <a:masterClrMapping/>
+  </p:clrMapOvr>
+</p:sld>
+</file>
+
+<file path=ppt/slides/slide13.xml><?xml version="1.0" encoding="utf-8"?>
+<p:sld xmlns:a="http://schemas.openxmlformats.org/drawingml/2006/main" xmlns:r="http://schemas.openxmlformats.org/officeDocument/2006/relationships" xmlns:p="http://schemas.openxmlformats.org/presentationml/2006/main">
+  <p:cSld>
+    <p:spTree>
+      <p:nvGrpSpPr>
+        <p:cNvPr id="1" name=""/>
+        <p:cNvGrpSpPr/>
+        <p:nvPr/>
+      </p:nvGrpSpPr>
+      <p:grpSpPr/>
+      <p:sp>
+        <p:nvSpPr>
+          <p:cNvPr id="5" name="标题 4"/>
+          <p:cNvSpPr>
+            <a:spLocks noGrp="1"/>
+          </p:cNvSpPr>
+          <p:nvPr>
+            <p:ph type="title"/>
+          </p:nvPr>
+        </p:nvSpPr>
+        <p:spPr>
+          <a:xfrm>
+            <a:off x="480060" y="608965"/>
+            <a:ext cx="8183880" cy="625475"/>
+          </a:xfrm>
+        </p:spPr>
+        <p:txBody>
+          <a:bodyPr>
+            <a:normAutofit fontScale="90000"/>
+          </a:bodyPr>
+          <a:p>
+            <a:r>
+              <a:rPr lang="en-US" dirty="0"/>
+              <a:t>VBR</a:t>
+            </a:r>
+            <a:r>
+              <a:rPr lang="zh-CN" altLang="en-US" dirty="0"/>
+              <a:t>模式</a:t>
+            </a:r>
+            <a:r>
+              <a:rPr lang="zh-CN" altLang="en-US" dirty="0"/>
+              <a:t>：</a:t>
+            </a:r>
+            <a:endParaRPr lang="zh-CN" altLang="en-US" dirty="0"/>
+          </a:p>
+        </p:txBody>
+      </p:sp>
+      <p:sp>
+        <p:nvSpPr>
+          <p:cNvPr id="6" name="文本框 5"/>
+          <p:cNvSpPr txBox="1"/>
+          <p:nvPr/>
+        </p:nvSpPr>
+        <p:spPr>
+          <a:xfrm>
+            <a:off x="676275" y="1355725"/>
+            <a:ext cx="7855585" cy="645160"/>
+          </a:xfrm>
+          <a:prstGeom prst="rect">
+            <a:avLst/>
+          </a:prstGeom>
+          <a:noFill/>
+        </p:spPr>
+        <p:txBody>
+          <a:bodyPr wrap="square" rtlCol="0">
+            <a:spAutoFit/>
+          </a:bodyPr>
+          <a:p>
+            <a:r>
+              <a:rPr lang="zh-CN" altLang="en-US"/>
+              <a:t>每帧可以有不同的比特率，其第一帧数据帧中存储了总的音频帧数，采样率，</a:t>
+            </a:r>
+            <a:r>
+              <a:rPr lang="en-US" altLang="zh-CN"/>
+              <a:t>DOC</a:t>
+            </a:r>
+            <a:r>
+              <a:rPr lang="zh-CN" altLang="en-US"/>
+              <a:t>索引表等播放器需要的重用信息，其标志信息为</a:t>
+            </a:r>
+            <a:r>
+              <a:rPr lang="en-US" altLang="zh-CN"/>
+              <a:t>”</a:t>
+            </a:r>
+            <a:r>
+              <a:rPr lang="en-US" altLang="zh-CN"/>
+              <a:t>Xing”</a:t>
+            </a:r>
+            <a:endParaRPr lang="en-US" altLang="zh-CN"/>
+          </a:p>
+        </p:txBody>
+      </p:sp>
+      <p:pic>
+        <p:nvPicPr>
+          <p:cNvPr id="10" name="图片 9"/>
+          <p:cNvPicPr>
+            <a:picLocks noChangeAspect="1"/>
+          </p:cNvPicPr>
+          <p:nvPr/>
+        </p:nvPicPr>
+        <p:blipFill>
+          <a:blip r:embed="rId1"/>
+          <a:stretch>
+            <a:fillRect/>
+          </a:stretch>
+        </p:blipFill>
+        <p:spPr>
+          <a:xfrm>
+            <a:off x="1416685" y="2181860"/>
+            <a:ext cx="5742940" cy="3475990"/>
+          </a:xfrm>
+          <a:prstGeom prst="rect">
+            <a:avLst/>
+          </a:prstGeom>
+        </p:spPr>
+      </p:pic>
+    </p:spTree>
+  </p:cSld>
+  <p:clrMapOvr>
+    <a:masterClrMapping/>
+  </p:clrMapOvr>
+</p:sld>
+</file>
+
+<file path=ppt/slides/slide14.xml><?xml version="1.0" encoding="utf-8"?>
+<p:sld xmlns:a="http://schemas.openxmlformats.org/drawingml/2006/main" xmlns:r="http://schemas.openxmlformats.org/officeDocument/2006/relationships" xmlns:p="http://schemas.openxmlformats.org/presentationml/2006/main">
+  <p:cSld>
+    <p:spTree>
+      <p:nvGrpSpPr>
+        <p:cNvPr id="1" name=""/>
+        <p:cNvGrpSpPr/>
+        <p:nvPr/>
+      </p:nvGrpSpPr>
+      <p:grpSpPr/>
+      <p:sp>
+        <p:nvSpPr>
+          <p:cNvPr id="5" name="标题 4"/>
+          <p:cNvSpPr>
+            <a:spLocks noGrp="1"/>
+          </p:cNvSpPr>
+          <p:nvPr>
+            <p:ph type="title"/>
+          </p:nvPr>
+        </p:nvSpPr>
+        <p:spPr>
+          <a:xfrm>
+            <a:off x="480060" y="608965"/>
+            <a:ext cx="8183880" cy="625475"/>
+          </a:xfrm>
+        </p:spPr>
+        <p:txBody>
+          <a:bodyPr>
+            <a:normAutofit fontScale="90000"/>
+          </a:bodyPr>
+          <a:p>
+            <a:r>
+              <a:rPr lang="en-US" dirty="0"/>
+              <a:t>VBR</a:t>
+            </a:r>
+            <a:r>
+              <a:rPr lang="zh-CN" altLang="en-US" dirty="0"/>
+              <a:t>模式：</a:t>
+            </a:r>
+            <a:endParaRPr lang="zh-CN" altLang="en-US" dirty="0"/>
+          </a:p>
+        </p:txBody>
+      </p:sp>
+      <p:sp>
+        <p:nvSpPr>
+          <p:cNvPr id="7" name="文本框 6"/>
+          <p:cNvSpPr txBox="1"/>
+          <p:nvPr/>
+        </p:nvSpPr>
+        <p:spPr>
+          <a:xfrm>
+            <a:off x="720725" y="1600835"/>
+            <a:ext cx="7595870" cy="1476375"/>
+          </a:xfrm>
+          <a:prstGeom prst="rect">
+            <a:avLst/>
+          </a:prstGeom>
+          <a:noFill/>
+        </p:spPr>
+        <p:txBody>
+          <a:bodyPr wrap="square" rtlCol="0">
+            <a:spAutoFit/>
+          </a:bodyPr>
+          <a:p>
+            <a:r>
+              <a:rPr lang="en-US" altLang="zh-CN"/>
+              <a:t>DOC</a:t>
+            </a:r>
+            <a:r>
+              <a:rPr lang="zh-CN" altLang="en-US"/>
+              <a:t>表：</a:t>
+            </a:r>
+            <a:r>
+              <a:rPr lang="en-US" altLang="zh-CN"/>
+              <a:t>VBR</a:t>
+            </a:r>
+            <a:r>
+              <a:rPr lang="zh-CN" altLang="en-US"/>
+              <a:t>模式的音频文件将音频时长平均分成</a:t>
+            </a:r>
+            <a:r>
+              <a:rPr lang="en-US" altLang="zh-CN"/>
+              <a:t>100</a:t>
+            </a:r>
+            <a:r>
+              <a:rPr lang="zh-CN" altLang="en-US"/>
+              <a:t>份，用</a:t>
+            </a:r>
+            <a:r>
+              <a:rPr lang="en-US" altLang="zh-CN"/>
+              <a:t>100</a:t>
+            </a:r>
+            <a:r>
+              <a:rPr lang="zh-CN" altLang="en-US"/>
+              <a:t>个字节存储了这</a:t>
+            </a:r>
+            <a:r>
+              <a:rPr lang="en-US" altLang="zh-CN"/>
+              <a:t>100</a:t>
+            </a:r>
+            <a:r>
+              <a:rPr lang="zh-CN" altLang="en-US"/>
+              <a:t>份时间所对应的字节位置（使用比例表示）。</a:t>
+            </a:r>
+            <a:endParaRPr lang="zh-CN" altLang="en-US"/>
+          </a:p>
+          <a:p>
+            <a:endParaRPr lang="zh-CN" altLang="en-US"/>
+          </a:p>
+          <a:p>
+            <a:r>
+              <a:rPr lang="zh-CN" altLang="en-US"/>
+              <a:t>比如音频时长为</a:t>
+            </a:r>
+            <a:r>
+              <a:rPr lang="en-US" altLang="zh-CN"/>
+              <a:t>150s</a:t>
+            </a:r>
+            <a:r>
+              <a:rPr lang="zh-CN" altLang="en-US"/>
+              <a:t>，音频有效数据大小为</a:t>
+            </a:r>
+            <a:r>
+              <a:rPr lang="en-US" altLang="zh-CN"/>
+              <a:t>100000byte</a:t>
+            </a:r>
+            <a:r>
+              <a:rPr lang="zh-CN" altLang="en-US"/>
+              <a:t>，则其播放到</a:t>
+            </a:r>
+            <a:r>
+              <a:rPr lang="en-US" altLang="zh-CN"/>
+              <a:t>15</a:t>
+            </a:r>
+            <a:r>
+              <a:rPr lang="zh-CN" altLang="en-US"/>
+              <a:t>秒的位置为：</a:t>
+            </a:r>
+            <a:r>
+              <a:rPr lang="en-US" altLang="zh-CN"/>
+              <a:t>100000*DOC[</a:t>
+            </a:r>
+            <a:r>
+              <a:rPr lang="zh-CN" altLang="en-US"/>
+              <a:t>（</a:t>
+            </a:r>
+            <a:r>
+              <a:rPr lang="en-US" altLang="zh-CN"/>
+              <a:t>15/150</a:t>
+            </a:r>
+            <a:r>
+              <a:rPr lang="zh-CN" altLang="en-US"/>
+              <a:t>）</a:t>
+            </a:r>
+            <a:r>
+              <a:rPr lang="en-US" altLang="zh-CN"/>
+              <a:t>]/256</a:t>
+            </a:r>
+            <a:endParaRPr lang="zh-CN" altLang="en-US"/>
+          </a:p>
+        </p:txBody>
+      </p:sp>
+      <p:sp>
+        <p:nvSpPr>
+          <p:cNvPr id="9" name="文本框 8"/>
+          <p:cNvSpPr txBox="1"/>
+          <p:nvPr/>
+        </p:nvSpPr>
+        <p:spPr>
+          <a:xfrm>
+            <a:off x="779780" y="3473450"/>
+            <a:ext cx="7392035" cy="1198880"/>
+          </a:xfrm>
+          <a:prstGeom prst="rect">
+            <a:avLst/>
+          </a:prstGeom>
+          <a:noFill/>
+        </p:spPr>
+        <p:txBody>
+          <a:bodyPr wrap="square" rtlCol="0">
+            <a:spAutoFit/>
+          </a:bodyPr>
+          <a:p>
+            <a:r>
+              <a:rPr lang="en-US" altLang="zh-CN"/>
+              <a:t>duration = </a:t>
+            </a:r>
+            <a:r>
+              <a:rPr lang="zh-CN" altLang="en-US"/>
+              <a:t>总帧数</a:t>
+            </a:r>
+            <a:r>
+              <a:rPr lang="en-US" altLang="zh-CN"/>
+              <a:t>*1152/</a:t>
+            </a:r>
+            <a:r>
+              <a:rPr lang="zh-CN" altLang="en-US"/>
+              <a:t>采样率</a:t>
+            </a:r>
+            <a:endParaRPr lang="zh-CN" altLang="en-US"/>
+          </a:p>
+          <a:p>
+            <a:endParaRPr lang="zh-CN" altLang="en-US"/>
+          </a:p>
+          <a:p>
+            <a:r>
+              <a:rPr lang="zh-CN" altLang="en-US"/>
+              <a:t>对于总帧数为</a:t>
+            </a:r>
+            <a:r>
+              <a:rPr lang="en-US" altLang="zh-CN"/>
+              <a:t>10000</a:t>
+            </a:r>
+            <a:r>
+              <a:rPr lang="zh-CN" altLang="en-US"/>
+              <a:t>，采样率为</a:t>
+            </a:r>
+            <a:r>
+              <a:rPr lang="en-US" altLang="zh-CN"/>
+              <a:t>44.1Khz</a:t>
+            </a:r>
+            <a:r>
+              <a:rPr lang="zh-CN" altLang="en-US"/>
+              <a:t>的音频来说，</a:t>
+            </a:r>
+            <a:endParaRPr lang="zh-CN" altLang="en-US"/>
+          </a:p>
+          <a:p>
+            <a:r>
+              <a:rPr lang="zh-CN" altLang="en-US"/>
+              <a:t>其时长 </a:t>
+            </a:r>
+            <a:r>
+              <a:rPr lang="en-US" altLang="zh-CN"/>
+              <a:t>= 10000*1152/44100 = 261s</a:t>
+            </a:r>
+            <a:endParaRPr lang="en-US" altLang="zh-CN"/>
+          </a:p>
+        </p:txBody>
+      </p:sp>
+    </p:spTree>
+  </p:cSld>
+  <p:clrMapOvr>
+    <a:masterClrMapping/>
+  </p:clrMapOvr>
+</p:sld>
+</file>
+
+<file path=ppt/slides/slide15.xml><?xml version="1.0" encoding="utf-8"?>
+<p:sld xmlns:a="http://schemas.openxmlformats.org/drawingml/2006/main" xmlns:r="http://schemas.openxmlformats.org/officeDocument/2006/relationships" xmlns:p="http://schemas.openxmlformats.org/presentationml/2006/main">
+  <p:cSld>
+    <p:spTree>
+      <p:nvGrpSpPr>
+        <p:cNvPr id="1" name=""/>
+        <p:cNvGrpSpPr/>
+        <p:nvPr/>
+      </p:nvGrpSpPr>
+      <p:grpSpPr/>
+      <p:sp>
+        <p:nvSpPr>
+          <p:cNvPr id="5" name="标题 4"/>
+          <p:cNvSpPr>
+            <a:spLocks noGrp="1"/>
+          </p:cNvSpPr>
+          <p:nvPr>
+            <p:ph type="title"/>
+          </p:nvPr>
+        </p:nvSpPr>
+        <p:spPr>
+          <a:xfrm>
+            <a:off x="480060" y="608965"/>
+            <a:ext cx="8183880" cy="625475"/>
+          </a:xfrm>
+        </p:spPr>
+        <p:txBody>
+          <a:bodyPr>
+            <a:normAutofit fontScale="90000"/>
+          </a:bodyPr>
+          <a:p>
+            <a:r>
+              <a:rPr lang="en-US" dirty="0"/>
+              <a:t>CBR</a:t>
+            </a:r>
+            <a:r>
+              <a:rPr lang="zh-CN" altLang="en-US" dirty="0"/>
+              <a:t>模式：</a:t>
+            </a:r>
+            <a:endParaRPr lang="zh-CN" altLang="en-US" dirty="0"/>
+          </a:p>
+        </p:txBody>
+      </p:sp>
+      <p:sp>
+        <p:nvSpPr>
+          <p:cNvPr id="7" name="文本框 6"/>
+          <p:cNvSpPr txBox="1"/>
+          <p:nvPr/>
+        </p:nvSpPr>
+        <p:spPr>
+          <a:xfrm>
+            <a:off x="720725" y="1600835"/>
+            <a:ext cx="7595870" cy="1476375"/>
+          </a:xfrm>
+          <a:prstGeom prst="rect">
+            <a:avLst/>
+          </a:prstGeom>
+          <a:noFill/>
+        </p:spPr>
+        <p:txBody>
+          <a:bodyPr wrap="square" rtlCol="0">
+            <a:spAutoFit/>
+          </a:bodyPr>
+          <a:p>
+            <a:r>
+              <a:rPr lang="zh-CN" altLang="en-US"/>
+              <a:t>每一帧的比特率都一样，这也意味其每一帧占用的数据大小相同，一首歌相同长度时间段所占用的空间是一样的。</a:t>
+            </a:r>
+            <a:endParaRPr lang="zh-CN" altLang="en-US"/>
+          </a:p>
+          <a:p>
+            <a:endParaRPr lang="zh-CN" altLang="en-US"/>
+          </a:p>
+          <a:p>
+            <a:r>
+              <a:rPr lang="zh-CN" altLang="en-US">
+                <a:sym typeface="+mn-ea"/>
+              </a:rPr>
+              <a:t>比如音频时长为</a:t>
+            </a:r>
+            <a:r>
+              <a:rPr lang="en-US" altLang="zh-CN">
+                <a:sym typeface="+mn-ea"/>
+              </a:rPr>
+              <a:t>150s</a:t>
+            </a:r>
+            <a:r>
+              <a:rPr lang="zh-CN" altLang="en-US">
+                <a:sym typeface="+mn-ea"/>
+              </a:rPr>
+              <a:t>，音频有效数据大小为</a:t>
+            </a:r>
+            <a:r>
+              <a:rPr lang="en-US" altLang="zh-CN">
+                <a:sym typeface="+mn-ea"/>
+              </a:rPr>
+              <a:t>100000byte</a:t>
+            </a:r>
+            <a:r>
+              <a:rPr lang="zh-CN" altLang="en-US">
+                <a:sym typeface="+mn-ea"/>
+              </a:rPr>
+              <a:t>，则其播放到</a:t>
+            </a:r>
+            <a:r>
+              <a:rPr lang="en-US" altLang="zh-CN">
+                <a:sym typeface="+mn-ea"/>
+              </a:rPr>
+              <a:t>15</a:t>
+            </a:r>
+            <a:r>
+              <a:rPr lang="zh-CN" altLang="en-US">
+                <a:sym typeface="+mn-ea"/>
+              </a:rPr>
+              <a:t>秒的位置为：</a:t>
+            </a:r>
+            <a:r>
+              <a:rPr lang="en-US" altLang="zh-CN">
+                <a:sym typeface="+mn-ea"/>
+              </a:rPr>
+              <a:t>15/150*</a:t>
+            </a:r>
+            <a:r>
+              <a:rPr lang="en-US" altLang="zh-CN">
+                <a:sym typeface="+mn-ea"/>
+              </a:rPr>
+              <a:t>100000</a:t>
+            </a:r>
+            <a:endParaRPr lang="zh-CN" altLang="en-US">
+              <a:sym typeface="+mn-ea"/>
+            </a:endParaRPr>
+          </a:p>
+        </p:txBody>
+      </p:sp>
+      <p:sp>
+        <p:nvSpPr>
+          <p:cNvPr id="9" name="文本框 8"/>
+          <p:cNvSpPr txBox="1"/>
+          <p:nvPr/>
+        </p:nvSpPr>
+        <p:spPr>
+          <a:xfrm>
+            <a:off x="779780" y="3616960"/>
+            <a:ext cx="7392035" cy="368300"/>
+          </a:xfrm>
+          <a:prstGeom prst="rect">
+            <a:avLst/>
+          </a:prstGeom>
+          <a:noFill/>
+        </p:spPr>
+        <p:txBody>
+          <a:bodyPr wrap="square" rtlCol="0">
+            <a:spAutoFit/>
+          </a:bodyPr>
+          <a:p>
+            <a:r>
+              <a:rPr lang="en-US" altLang="zh-CN"/>
+              <a:t>duration = </a:t>
+            </a:r>
+            <a:r>
+              <a:rPr lang="zh-CN" altLang="en-US"/>
+              <a:t>音频数据大小</a:t>
+            </a:r>
+            <a:r>
+              <a:rPr lang="en-US" altLang="zh-CN"/>
+              <a:t>*8</a:t>
+            </a:r>
+            <a:r>
+              <a:rPr lang="en-US" altLang="zh-CN"/>
+              <a:t>/</a:t>
+            </a:r>
+            <a:r>
+              <a:rPr lang="zh-CN" altLang="en-US"/>
+              <a:t>比特率</a:t>
+            </a:r>
+            <a:endParaRPr lang="en-US" altLang="zh-CN"/>
+          </a:p>
+        </p:txBody>
+      </p:sp>
+    </p:spTree>
+  </p:cSld>
+  <p:clrMapOvr>
+    <a:masterClrMapping/>
+  </p:clrMapOvr>
+</p:sld>
+</file>
+
+<file path=ppt/slides/slide16.xml><?xml version="1.0" encoding="utf-8"?>
+<p:sld xmlns:a="http://schemas.openxmlformats.org/drawingml/2006/main" xmlns:r="http://schemas.openxmlformats.org/officeDocument/2006/relationships" xmlns:p="http://schemas.openxmlformats.org/presentationml/2006/main">
+  <p:cSld>
+    <p:spTree>
+      <p:nvGrpSpPr>
+        <p:cNvPr id="1" name=""/>
+        <p:cNvGrpSpPr/>
+        <p:nvPr/>
+      </p:nvGrpSpPr>
+      <p:grpSpPr/>
+      <p:pic>
+        <p:nvPicPr>
+          <p:cNvPr id="4" name="图片 3"/>
+          <p:cNvPicPr>
+            <a:picLocks noChangeAspect="1"/>
+          </p:cNvPicPr>
+          <p:nvPr/>
+        </p:nvPicPr>
+        <p:blipFill>
+          <a:blip r:embed="rId1"/>
+          <a:stretch>
+            <a:fillRect/>
+          </a:stretch>
+        </p:blipFill>
+        <p:spPr>
+          <a:xfrm>
+            <a:off x="476885" y="2011045"/>
+            <a:ext cx="5657850" cy="1475105"/>
+          </a:xfrm>
+          <a:prstGeom prst="rect">
+            <a:avLst/>
+          </a:prstGeom>
+        </p:spPr>
+      </p:pic>
+      <p:sp>
+        <p:nvSpPr>
+          <p:cNvPr id="5" name="标题 4"/>
+          <p:cNvSpPr>
+            <a:spLocks noGrp="1"/>
+          </p:cNvSpPr>
+          <p:nvPr>
+            <p:ph type="title"/>
+          </p:nvPr>
+        </p:nvSpPr>
+        <p:spPr>
+          <a:xfrm>
+            <a:off x="480060" y="608965"/>
+            <a:ext cx="8183880" cy="625475"/>
+          </a:xfrm>
+        </p:spPr>
+        <p:txBody>
+          <a:bodyPr>
+            <a:normAutofit fontScale="90000"/>
+          </a:bodyPr>
+          <a:p>
+            <a:r>
+              <a:rPr lang="zh-CN" altLang="en-US" dirty="0"/>
+              <a:t>数据加密：</a:t>
+            </a:r>
+            <a:endParaRPr lang="zh-CN" altLang="en-US" dirty="0"/>
+          </a:p>
+        </p:txBody>
+      </p:sp>
+      <p:sp>
+        <p:nvSpPr>
+          <p:cNvPr id="6" name="文本框 5"/>
+          <p:cNvSpPr txBox="1"/>
+          <p:nvPr/>
+        </p:nvSpPr>
+        <p:spPr>
+          <a:xfrm>
+            <a:off x="534035" y="1523365"/>
+            <a:ext cx="3821430" cy="368300"/>
+          </a:xfrm>
+          <a:prstGeom prst="rect">
+            <a:avLst/>
+          </a:prstGeom>
+          <a:noFill/>
+        </p:spPr>
+        <p:txBody>
+          <a:bodyPr wrap="square" rtlCol="0">
+            <a:spAutoFit/>
+          </a:bodyPr>
+          <a:p>
+            <a:r>
+              <a:rPr lang="en-US" altLang="zh-CN"/>
+              <a:t>server:</a:t>
+            </a:r>
+            <a:endParaRPr lang="en-US" altLang="zh-CN"/>
+          </a:p>
+        </p:txBody>
+      </p:sp>
+      <p:sp>
+        <p:nvSpPr>
+          <p:cNvPr id="7" name="文本框 6"/>
+          <p:cNvSpPr txBox="1"/>
+          <p:nvPr/>
+        </p:nvSpPr>
+        <p:spPr>
+          <a:xfrm>
+            <a:off x="528320" y="3964305"/>
+            <a:ext cx="3467100" cy="368300"/>
+          </a:xfrm>
+          <a:prstGeom prst="rect">
+            <a:avLst/>
+          </a:prstGeom>
+          <a:noFill/>
+        </p:spPr>
+        <p:txBody>
+          <a:bodyPr wrap="square" rtlCol="0">
+            <a:spAutoFit/>
+          </a:bodyPr>
+          <a:p>
+            <a:r>
+              <a:rPr lang="en-US" altLang="zh-CN"/>
+              <a:t>client</a:t>
+            </a:r>
+            <a:endParaRPr lang="en-US" altLang="zh-CN"/>
+          </a:p>
+        </p:txBody>
+      </p:sp>
+      <p:pic>
+        <p:nvPicPr>
+          <p:cNvPr id="8" name="图片 7"/>
+          <p:cNvPicPr>
+            <a:picLocks noChangeAspect="1"/>
+          </p:cNvPicPr>
+          <p:nvPr/>
+        </p:nvPicPr>
+        <p:blipFill>
+          <a:blip r:embed="rId2"/>
+          <a:stretch>
+            <a:fillRect/>
+          </a:stretch>
+        </p:blipFill>
+        <p:spPr>
+          <a:xfrm>
+            <a:off x="480060" y="4487545"/>
+            <a:ext cx="5654675" cy="1150620"/>
+          </a:xfrm>
+          <a:prstGeom prst="rect">
+            <a:avLst/>
+          </a:prstGeom>
+        </p:spPr>
+      </p:pic>
+    </p:spTree>
+  </p:cSld>
+  <p:clrMapOvr>
+    <a:masterClrMapping/>
+  </p:clrMapOvr>
+</p:sld>
+</file>
+
+<file path=ppt/slides/slide17.xml><?xml version="1.0" encoding="utf-8"?>
+<p:sld xmlns:a="http://schemas.openxmlformats.org/drawingml/2006/main" xmlns:r="http://schemas.openxmlformats.org/officeDocument/2006/relationships" xmlns:p="http://schemas.openxmlformats.org/presentationml/2006/main" showMasterSp="0">
+  <p:cSld>
+    <p:spTree>
+      <p:nvGrpSpPr>
+        <p:cNvPr id="1" name=""/>
+        <p:cNvGrpSpPr/>
+        <p:nvPr/>
+      </p:nvGrpSpPr>
+      <p:grpSpPr/>
+      <p:pic>
+        <p:nvPicPr>
+          <p:cNvPr id="5" name="图片 4"/>
+          <p:cNvPicPr>
+            <a:picLocks noChangeAspect="1"/>
+          </p:cNvPicPr>
+          <p:nvPr/>
+        </p:nvPicPr>
+        <p:blipFill>
+          <a:blip r:embed="rId1"/>
+          <a:stretch>
+            <a:fillRect/>
+          </a:stretch>
+        </p:blipFill>
+        <p:spPr>
+          <a:xfrm>
+            <a:off x="1037590" y="160020"/>
+            <a:ext cx="7364095" cy="6494145"/>
+          </a:xfrm>
+          <a:prstGeom prst="rect">
+            <a:avLst/>
+          </a:prstGeom>
+        </p:spPr>
+      </p:pic>
+    </p:spTree>
+  </p:cSld>
+  <p:clrMapOvr>
+    <a:masterClrMapping/>
+  </p:clrMapOvr>
+</p:sld>
+</file>
+
+<file path=ppt/slides/slide18.xml><?xml version="1.0" encoding="utf-8"?>
+<p:sld xmlns:a="http://schemas.openxmlformats.org/drawingml/2006/main" xmlns:r="http://schemas.openxmlformats.org/officeDocument/2006/relationships" xmlns:p="http://schemas.openxmlformats.org/presentationml/2006/main" showMasterSp="0">
+  <p:cSld>
+    <p:spTree>
+      <p:nvGrpSpPr>
+        <p:cNvPr id="1" name=""/>
+        <p:cNvGrpSpPr/>
+        <p:nvPr/>
+      </p:nvGrpSpPr>
+      <p:grpSpPr/>
+      <p:pic>
+        <p:nvPicPr>
+          <p:cNvPr id="4" name="图片 3"/>
+          <p:cNvPicPr>
+            <a:picLocks noChangeAspect="1"/>
+          </p:cNvPicPr>
+          <p:nvPr/>
+        </p:nvPicPr>
+        <p:blipFill>
+          <a:blip r:embed="rId1"/>
+          <a:stretch>
+            <a:fillRect/>
+          </a:stretch>
+        </p:blipFill>
+        <p:spPr>
+          <a:xfrm>
+            <a:off x="-22860" y="903605"/>
+            <a:ext cx="9128760" cy="5472430"/>
+          </a:xfrm>
+          <a:prstGeom prst="rect">
+            <a:avLst/>
+          </a:prstGeom>
+        </p:spPr>
+      </p:pic>
+    </p:spTree>
+  </p:cSld>
+  <p:clrMapOvr>
+    <a:masterClrMapping/>
+  </p:clrMapOvr>
+</p:sld>
+</file>
+
+<file path=ppt/slides/slide19.xml><?xml version="1.0" encoding="utf-8"?>
+<p:sld xmlns:a="http://schemas.openxmlformats.org/drawingml/2006/main" xmlns:r="http://schemas.openxmlformats.org/officeDocument/2006/relationships" xmlns:p="http://schemas.openxmlformats.org/presentationml/2006/main">
+  <p:cSld>
+    <p:spTree>
+      <p:nvGrpSpPr>
+        <p:cNvPr id="1" name=""/>
+        <p:cNvGrpSpPr/>
+        <p:nvPr/>
+      </p:nvGrpSpPr>
+      <p:grpSpPr>
+        <a:xfrm>
+          <a:off x="0" y="0"/>
+          <a:ext cx="0" cy="0"/>
+          <a:chOff x="0" y="0"/>
+          <a:chExt cx="0" cy="0"/>
+        </a:xfrm>
+      </p:grpSpPr>
+      <p:sp>
+        <p:nvSpPr>
+          <p:cNvPr id="2" name="标题 1"/>
+          <p:cNvSpPr>
+            <a:spLocks noGrp="1"/>
+          </p:cNvSpPr>
+          <p:nvPr>
+            <p:ph type="title"/>
+          </p:nvPr>
+        </p:nvSpPr>
+        <p:spPr>
+          <a:xfrm>
+            <a:off x="428596" y="3071810"/>
+            <a:ext cx="8229600" cy="642942"/>
+          </a:xfrm>
+        </p:spPr>
+        <p:txBody>
+          <a:bodyPr/>
+          <a:lstStyle/>
+          <a:p>
+            <a:pPr algn="ctr"/>
+            <a:r>
+              <a:rPr lang="zh-CN" altLang="en-US" dirty="0" smtClean="0"/>
+              <a:t>谢谢观看</a:t>
+            </a:r>
+            <a:endParaRPr lang="zh-CN" altLang="en-US" dirty="0"/>
+          </a:p>
+        </p:txBody>
+      </p:sp>
+    </p:spTree>
+  </p:cSld>
+  <p:clrMapOvr>
+    <a:masterClrMapping/>
+  </p:clrMapOvr>
+</p:sld>
+</file>
+
 <file path=ppt/slides/slide2.xml><?xml version="1.0" encoding="utf-8"?>
 <p:sld xmlns:a="http://schemas.openxmlformats.org/drawingml/2006/main" xmlns:r="http://schemas.openxmlformats.org/officeDocument/2006/relationships" xmlns:p="http://schemas.openxmlformats.org/presentationml/2006/main">
   <p:cSld>
     <p:bg>
       <p:bgPr>
         <a:solidFill>
-          <a:schemeClr val="accent3">
-            <a:lumMod val="20000"/>
-            <a:lumOff val="80000"/>
-          </a:schemeClr>
+          <a:schemeClr val="bg2"/>
         </a:solidFill>
         <a:effectLst/>
       </p:bgPr>
@@ -3881,7 +5290,6 @@
             </a:pPr>
             <a:r>
               <a:rPr lang="en-US" altLang="zh-CN">
-                <a:ln/>
                 <a:solidFill>
                   <a:schemeClr val="accent1"/>
                 </a:solidFill>
@@ -3897,7 +5305,6 @@
             </a:r>
             <a:r>
               <a:rPr lang="zh-CN" altLang="en-US">
-                <a:ln/>
                 <a:solidFill>
                   <a:schemeClr val="accent1"/>
                 </a:solidFill>
@@ -3912,7 +5319,6 @@
               <a:t>音频播放主要有两种方式：</a:t>
             </a:r>
             <a:endParaRPr lang="zh-CN" altLang="en-US" sz="2400">
-              <a:ln/>
               <a:solidFill>
                 <a:schemeClr val="accent1"/>
               </a:solidFill>
@@ -3950,7 +5356,6 @@
           <a:p>
             <a:r>
               <a:rPr lang="en-US" altLang="zh-CN" sz="3600">
-                <a:ln/>
                 <a:solidFill>
                   <a:schemeClr val="tx1"/>
                 </a:solidFill>
@@ -3967,7 +5372,6 @@
               <a:t>Audio</a:t>
             </a:r>
             <a:endParaRPr lang="en-US" altLang="zh-CN" sz="3600">
-              <a:ln/>
               <a:solidFill>
                 <a:schemeClr val="tx1"/>
               </a:solidFill>
@@ -4007,7 +5411,6 @@
           <a:p>
             <a:r>
               <a:rPr lang="en-US" altLang="zh-CN" sz="3600">
-                <a:ln/>
                 <a:solidFill>
                   <a:schemeClr val="tx1"/>
                 </a:solidFill>
@@ -4024,7 +5427,6 @@
               <a:t>AudioContext</a:t>
             </a:r>
             <a:endParaRPr lang="en-US" altLang="zh-CN" sz="3600">
-              <a:ln/>
               <a:solidFill>
                 <a:schemeClr val="tx1"/>
               </a:solidFill>
@@ -4274,10 +5676,7 @@
     <p:bg>
       <p:bgPr>
         <a:solidFill>
-          <a:schemeClr val="accent3">
-            <a:lumMod val="20000"/>
-            <a:lumOff val="80000"/>
-          </a:schemeClr>
+          <a:schemeClr val="bg2"/>
         </a:solidFill>
         <a:effectLst/>
       </p:bgPr>
@@ -4879,10 +6278,7 @@
     <p:bg>
       <p:bgPr>
         <a:solidFill>
-          <a:schemeClr val="accent3">
-            <a:lumMod val="20000"/>
-            <a:lumOff val="80000"/>
-          </a:schemeClr>
+          <a:schemeClr val="bg2"/>
         </a:solidFill>
         <a:effectLst/>
       </p:bgPr>
@@ -4975,24 +6371,7 @@
                 <a:latin typeface="+mj-ea"/>
                 <a:ea typeface="+mj-ea"/>
               </a:rPr>
-              <a:t>与</a:t>
-            </a:r>
-            <a:r>
-              <a:rPr lang="zh-CN" altLang="en-US" sz="2000">
-                <a:solidFill>
-                  <a:schemeClr val="tx1"/>
-                </a:solidFill>
-                <a:effectLst>
-                  <a:outerShdw blurRad="38100" dist="19050" dir="2700000" algn="tl" rotWithShape="0">
-                    <a:schemeClr val="dk1">
-                      <a:alpha val="40000"/>
-                    </a:schemeClr>
-                  </a:outerShdw>
-                </a:effectLst>
-                <a:latin typeface="+mj-ea"/>
-                <a:ea typeface="+mj-ea"/>
-              </a:rPr>
-              <a:t>音频数据打交道，提供更改音频数据的能力，甚至能创造声音</a:t>
+              <a:t>与音频数据打交道，提供更改音频数据的能力，甚至能创造声音</a:t>
             </a:r>
             <a:endParaRPr lang="zh-CN" altLang="en-US" sz="2000">
               <a:solidFill>
@@ -5287,10 +6666,7 @@
     <p:bg>
       <p:bgPr>
         <a:solidFill>
-          <a:schemeClr val="accent3">
-            <a:lumMod val="20000"/>
-            <a:lumOff val="80000"/>
-          </a:schemeClr>
+          <a:schemeClr val="bg2"/>
         </a:solidFill>
         <a:effectLst/>
       </p:bgPr>
@@ -5424,10 +6800,7 @@
     <p:bg>
       <p:bgPr>
         <a:solidFill>
-          <a:schemeClr val="accent3">
-            <a:lumMod val="20000"/>
-            <a:lumOff val="80000"/>
-          </a:schemeClr>
+          <a:schemeClr val="bg2"/>
         </a:solidFill>
         <a:effectLst/>
       </p:bgPr>
@@ -5479,15 +6852,12 @@
 </file>
 
 <file path=ppt/slides/slide7.xml><?xml version="1.0" encoding="utf-8"?>
-<p:sld xmlns:a="http://schemas.openxmlformats.org/drawingml/2006/main" xmlns:r="http://schemas.openxmlformats.org/officeDocument/2006/relationships" xmlns:p="http://schemas.openxmlformats.org/presentationml/2006/main">
+<p:sld xmlns:a="http://schemas.openxmlformats.org/drawingml/2006/main" xmlns:r="http://schemas.openxmlformats.org/officeDocument/2006/relationships" xmlns:p="http://schemas.openxmlformats.org/presentationml/2006/main" showMasterSp="0">
   <p:cSld>
     <p:bg>
       <p:bgPr>
         <a:solidFill>
-          <a:schemeClr val="accent3">
-            <a:lumMod val="20000"/>
-            <a:lumOff val="80000"/>
-          </a:schemeClr>
+          <a:schemeClr val="bg2"/>
         </a:solidFill>
         <a:effectLst/>
       </p:bgPr>
@@ -5506,6 +6876,30 @@
           <a:chExt cx="0" cy="0"/>
         </a:xfrm>
       </p:grpSpPr>
+      <p:pic>
+        <p:nvPicPr>
+          <p:cNvPr id="3" name="图片 2"/>
+          <p:cNvPicPr>
+            <a:picLocks noChangeAspect="1"/>
+          </p:cNvPicPr>
+          <p:nvPr/>
+        </p:nvPicPr>
+        <p:blipFill>
+          <a:blip r:embed="rId1"/>
+          <a:stretch>
+            <a:fillRect/>
+          </a:stretch>
+        </p:blipFill>
+        <p:spPr>
+          <a:xfrm>
+            <a:off x="868680" y="639445"/>
+            <a:ext cx="7545070" cy="5495925"/>
+          </a:xfrm>
+          <a:prstGeom prst="rect">
+            <a:avLst/>
+          </a:prstGeom>
+        </p:spPr>
+      </p:pic>
     </p:spTree>
   </p:cSld>
   <p:clrMapOvr>
@@ -5523,17 +6917,10 @@
         <p:cNvGrpSpPr/>
         <p:nvPr/>
       </p:nvGrpSpPr>
-      <p:grpSpPr>
-        <a:xfrm>
-          <a:off x="0" y="0"/>
-          <a:ext cx="0" cy="0"/>
-          <a:chOff x="0" y="0"/>
-          <a:chExt cx="0" cy="0"/>
-        </a:xfrm>
-      </p:grpSpPr>
-      <p:sp>
-        <p:nvSpPr>
-          <p:cNvPr id="2" name="标题 1"/>
+      <p:grpSpPr/>
+      <p:sp>
+        <p:nvSpPr>
+          <p:cNvPr id="8" name="标题 7"/>
           <p:cNvSpPr>
             <a:spLocks noGrp="1"/>
           </p:cNvSpPr>
@@ -5543,20 +6930,324 @@
         </p:nvSpPr>
         <p:spPr>
           <a:xfrm>
-            <a:off x="428596" y="3071810"/>
-            <a:ext cx="8229600" cy="642942"/>
-          </a:xfrm>
-        </p:spPr>
-        <p:txBody>
-          <a:bodyPr/>
-          <a:lstStyle/>
-          <a:p>
-            <a:pPr algn="ctr"/>
-            <a:r>
-              <a:rPr lang="zh-CN" altLang="en-US" dirty="0" smtClean="0"/>
-              <a:t>谢谢观看</a:t>
+            <a:off x="480060" y="608965"/>
+            <a:ext cx="8183880" cy="625475"/>
+          </a:xfrm>
+        </p:spPr>
+        <p:txBody>
+          <a:bodyPr>
+            <a:normAutofit fontScale="90000"/>
+          </a:bodyPr>
+          <a:p>
+            <a:r>
+              <a:rPr lang="zh-CN" altLang="en-US" dirty="0"/>
+              <a:t>使用</a:t>
+            </a:r>
+            <a:r>
+              <a:rPr lang="en-US" altLang="zh-CN" dirty="0"/>
+              <a:t>AudioContext</a:t>
+            </a:r>
+            <a:r>
+              <a:rPr lang="zh-CN" altLang="en-US" dirty="0"/>
+              <a:t>开发在线播放器步骤：</a:t>
             </a:r>
             <a:endParaRPr lang="zh-CN" altLang="en-US" dirty="0"/>
+          </a:p>
+        </p:txBody>
+      </p:sp>
+      <p:sp>
+        <p:nvSpPr>
+          <p:cNvPr id="4" name="文本框 3"/>
+          <p:cNvSpPr txBox="1"/>
+          <p:nvPr/>
+        </p:nvSpPr>
+        <p:spPr>
+          <a:xfrm>
+            <a:off x="842645" y="1626235"/>
+            <a:ext cx="7440930" cy="460375"/>
+          </a:xfrm>
+          <a:prstGeom prst="rect">
+            <a:avLst/>
+          </a:prstGeom>
+          <a:noFill/>
+        </p:spPr>
+        <p:txBody>
+          <a:bodyPr wrap="square" rtlCol="0">
+            <a:spAutoFit/>
+          </a:bodyPr>
+          <a:p>
+            <a:pPr marL="342900" indent="-342900">
+              <a:buFont typeface="Arial" panose="020B0604020202020204" pitchFamily="34" charset="0"/>
+              <a:buChar char="•"/>
+            </a:pPr>
+            <a:r>
+              <a:rPr lang="zh-CN" altLang="en-US" sz="2400">
+                <a:solidFill>
+                  <a:schemeClr val="tx1"/>
+                </a:solidFill>
+                <a:effectLst>
+                  <a:outerShdw blurRad="38100" dist="19050" dir="2700000" algn="tl" rotWithShape="0">
+                    <a:schemeClr val="dk1">
+                      <a:alpha val="40000"/>
+                    </a:schemeClr>
+                  </a:outerShdw>
+                </a:effectLst>
+                <a:latin typeface="+mj-ea"/>
+                <a:ea typeface="+mj-ea"/>
+              </a:rPr>
+              <a:t>解析音频文件元数据（码率，采样率，索引</a:t>
+            </a:r>
+            <a:r>
+              <a:rPr lang="en-US" altLang="zh-CN" sz="2400">
+                <a:solidFill>
+                  <a:schemeClr val="tx1"/>
+                </a:solidFill>
+                <a:effectLst>
+                  <a:outerShdw blurRad="38100" dist="19050" dir="2700000" algn="tl" rotWithShape="0">
+                    <a:schemeClr val="dk1">
+                      <a:alpha val="40000"/>
+                    </a:schemeClr>
+                  </a:outerShdw>
+                </a:effectLst>
+                <a:latin typeface="+mj-ea"/>
+                <a:ea typeface="+mj-ea"/>
+              </a:rPr>
+              <a:t>...</a:t>
+            </a:r>
+            <a:r>
+              <a:rPr lang="zh-CN" altLang="en-US" sz="2400">
+                <a:solidFill>
+                  <a:schemeClr val="tx1"/>
+                </a:solidFill>
+                <a:effectLst>
+                  <a:outerShdw blurRad="38100" dist="19050" dir="2700000" algn="tl" rotWithShape="0">
+                    <a:schemeClr val="dk1">
+                      <a:alpha val="40000"/>
+                    </a:schemeClr>
+                  </a:outerShdw>
+                </a:effectLst>
+                <a:latin typeface="+mj-ea"/>
+                <a:ea typeface="+mj-ea"/>
+              </a:rPr>
+              <a:t>）</a:t>
+            </a:r>
+            <a:endParaRPr lang="zh-CN" altLang="en-US" sz="2400">
+              <a:solidFill>
+                <a:schemeClr val="tx1"/>
+              </a:solidFill>
+              <a:effectLst>
+                <a:outerShdw blurRad="38100" dist="19050" dir="2700000" algn="tl" rotWithShape="0">
+                  <a:schemeClr val="dk1">
+                    <a:alpha val="40000"/>
+                  </a:schemeClr>
+                </a:outerShdw>
+              </a:effectLst>
+              <a:latin typeface="+mj-ea"/>
+              <a:ea typeface="+mj-ea"/>
+            </a:endParaRPr>
+          </a:p>
+        </p:txBody>
+      </p:sp>
+      <p:sp>
+        <p:nvSpPr>
+          <p:cNvPr id="5" name="文本框 4"/>
+          <p:cNvSpPr txBox="1"/>
+          <p:nvPr/>
+        </p:nvSpPr>
+        <p:spPr>
+          <a:xfrm>
+            <a:off x="826135" y="2470785"/>
+            <a:ext cx="7440930" cy="829945"/>
+          </a:xfrm>
+          <a:prstGeom prst="rect">
+            <a:avLst/>
+          </a:prstGeom>
+          <a:noFill/>
+        </p:spPr>
+        <p:txBody>
+          <a:bodyPr wrap="square" rtlCol="0">
+            <a:spAutoFit/>
+          </a:bodyPr>
+          <a:p>
+            <a:pPr marL="342900" indent="-342900">
+              <a:buFont typeface="Arial" panose="020B0604020202020204" pitchFamily="34" charset="0"/>
+              <a:buChar char="•"/>
+            </a:pPr>
+            <a:r>
+              <a:rPr lang="zh-CN" altLang="en-US" sz="2400">
+                <a:solidFill>
+                  <a:schemeClr val="tx1"/>
+                </a:solidFill>
+                <a:effectLst>
+                  <a:outerShdw blurRad="38100" dist="19050" dir="2700000" algn="tl" rotWithShape="0">
+                    <a:schemeClr val="dk1">
+                      <a:alpha val="40000"/>
+                    </a:schemeClr>
+                  </a:outerShdw>
+                </a:effectLst>
+                <a:latin typeface="+mj-ea"/>
+                <a:ea typeface="+mj-ea"/>
+              </a:rPr>
+              <a:t>使用</a:t>
+            </a:r>
+            <a:r>
+              <a:rPr lang="en-US" altLang="zh-CN" sz="2400">
+                <a:solidFill>
+                  <a:schemeClr val="tx1"/>
+                </a:solidFill>
+                <a:effectLst>
+                  <a:outerShdw blurRad="38100" dist="19050" dir="2700000" algn="tl" rotWithShape="0">
+                    <a:schemeClr val="dk1">
+                      <a:alpha val="40000"/>
+                    </a:schemeClr>
+                  </a:outerShdw>
+                </a:effectLst>
+                <a:latin typeface="+mj-ea"/>
+                <a:ea typeface="+mj-ea"/>
+              </a:rPr>
+              <a:t>ajax</a:t>
+            </a:r>
+            <a:r>
+              <a:rPr lang="zh-CN" altLang="en-US" sz="2400">
+                <a:solidFill>
+                  <a:schemeClr val="tx1"/>
+                </a:solidFill>
+                <a:effectLst>
+                  <a:outerShdw blurRad="38100" dist="19050" dir="2700000" algn="tl" rotWithShape="0">
+                    <a:schemeClr val="dk1">
+                      <a:alpha val="40000"/>
+                    </a:schemeClr>
+                  </a:outerShdw>
+                </a:effectLst>
+                <a:latin typeface="+mj-ea"/>
+                <a:ea typeface="+mj-ea"/>
+              </a:rPr>
+              <a:t>拉取数据（设置</a:t>
+            </a:r>
+            <a:r>
+              <a:rPr lang="en-US" altLang="zh-CN" sz="2400">
+                <a:solidFill>
+                  <a:schemeClr val="tx1"/>
+                </a:solidFill>
+                <a:effectLst>
+                  <a:outerShdw blurRad="38100" dist="19050" dir="2700000" algn="tl" rotWithShape="0">
+                    <a:schemeClr val="dk1">
+                      <a:alpha val="40000"/>
+                    </a:schemeClr>
+                  </a:outerShdw>
+                </a:effectLst>
+                <a:latin typeface="+mj-ea"/>
+                <a:ea typeface="+mj-ea"/>
+              </a:rPr>
+              <a:t>Ranege</a:t>
+            </a:r>
+            <a:r>
+              <a:rPr lang="zh-CN" altLang="en-US" sz="2400">
+                <a:solidFill>
+                  <a:schemeClr val="tx1"/>
+                </a:solidFill>
+                <a:effectLst>
+                  <a:outerShdw blurRad="38100" dist="19050" dir="2700000" algn="tl" rotWithShape="0">
+                    <a:schemeClr val="dk1">
+                      <a:alpha val="40000"/>
+                    </a:schemeClr>
+                  </a:outerShdw>
+                </a:effectLst>
+                <a:latin typeface="+mj-ea"/>
+                <a:ea typeface="+mj-ea"/>
+              </a:rPr>
+              <a:t>头</a:t>
+            </a:r>
+            <a:r>
+              <a:rPr lang="zh-CN" altLang="en-US" sz="2400">
+                <a:solidFill>
+                  <a:schemeClr val="tx1"/>
+                </a:solidFill>
+                <a:effectLst>
+                  <a:outerShdw blurRad="38100" dist="19050" dir="2700000" algn="tl" rotWithShape="0">
+                    <a:schemeClr val="dk1">
+                      <a:alpha val="40000"/>
+                    </a:schemeClr>
+                  </a:outerShdw>
+                </a:effectLst>
+                <a:latin typeface="+mj-ea"/>
+                <a:ea typeface="+mj-ea"/>
+              </a:rPr>
+              <a:t>），分成小段音频数据存储在内存</a:t>
+            </a:r>
+            <a:endParaRPr lang="zh-CN" altLang="en-US" sz="2400">
+              <a:solidFill>
+                <a:schemeClr val="tx1"/>
+              </a:solidFill>
+              <a:effectLst>
+                <a:outerShdw blurRad="38100" dist="19050" dir="2700000" algn="tl" rotWithShape="0">
+                  <a:schemeClr val="dk1">
+                    <a:alpha val="40000"/>
+                  </a:schemeClr>
+                </a:outerShdw>
+              </a:effectLst>
+              <a:latin typeface="+mj-ea"/>
+              <a:ea typeface="+mj-ea"/>
+            </a:endParaRPr>
+          </a:p>
+        </p:txBody>
+      </p:sp>
+      <p:sp>
+        <p:nvSpPr>
+          <p:cNvPr id="6" name="文本框 5"/>
+          <p:cNvSpPr txBox="1"/>
+          <p:nvPr/>
+        </p:nvSpPr>
+        <p:spPr>
+          <a:xfrm>
+            <a:off x="881380" y="3530600"/>
+            <a:ext cx="7440930" cy="1198880"/>
+          </a:xfrm>
+          <a:prstGeom prst="rect">
+            <a:avLst/>
+          </a:prstGeom>
+          <a:noFill/>
+        </p:spPr>
+        <p:txBody>
+          <a:bodyPr wrap="square" rtlCol="0">
+            <a:spAutoFit/>
+          </a:bodyPr>
+          <a:p>
+            <a:pPr marL="342900" indent="-342900">
+              <a:buFont typeface="Arial" panose="020B0604020202020204" pitchFamily="34" charset="0"/>
+              <a:buChar char="•"/>
+            </a:pPr>
+            <a:r>
+              <a:rPr lang="zh-CN" altLang="en-US" sz="2400">
+                <a:solidFill>
+                  <a:schemeClr val="tx1"/>
+                </a:solidFill>
+                <a:effectLst>
+                  <a:outerShdw blurRad="38100" dist="19050" dir="2700000" algn="tl" rotWithShape="0">
+                    <a:schemeClr val="dk1">
+                      <a:alpha val="40000"/>
+                    </a:schemeClr>
+                  </a:outerShdw>
+                </a:effectLst>
+                <a:latin typeface="+mj-ea"/>
+                <a:ea typeface="+mj-ea"/>
+              </a:rPr>
+              <a:t>解码，播放，在播放的同时异步解码之后下载下来的数据，播放完毕当前的小段音频后立即播放下一段已经解码好的音频</a:t>
+            </a:r>
+            <a:endParaRPr lang="zh-CN" altLang="en-US" sz="2400">
+              <a:solidFill>
+                <a:schemeClr val="tx1"/>
+              </a:solidFill>
+              <a:effectLst>
+                <a:outerShdw blurRad="38100" dist="19050" dir="2700000" algn="tl" rotWithShape="0">
+                  <a:schemeClr val="dk1">
+                    <a:alpha val="40000"/>
+                  </a:schemeClr>
+                </a:outerShdw>
+              </a:effectLst>
+              <a:latin typeface="+mj-ea"/>
+              <a:ea typeface="+mj-ea"/>
+            </a:endParaRPr>
           </a:p>
         </p:txBody>
       </p:sp>
@@ -5565,6 +7256,815 @@
   <p:clrMapOvr>
     <a:masterClrMapping/>
   </p:clrMapOvr>
+  <p:timing>
+    <p:tnLst>
+      <p:par>
+        <p:cTn id="1" dur="indefinite" restart="never" nodeType="tmRoot">
+          <p:childTnLst>
+            <p:seq concurrent="1" nextAc="seek">
+              <p:cTn id="2" dur="indefinite" nodeType="mainSeq">
+                <p:childTnLst>
+                  <p:par>
+                    <p:cTn id="3" fill="hold">
+                      <p:stCondLst>
+                        <p:cond delay="indefinite"/>
+                      </p:stCondLst>
+                      <p:childTnLst>
+                        <p:par>
+                          <p:cTn id="4" fill="hold">
+                            <p:stCondLst>
+                              <p:cond delay="0"/>
+                            </p:stCondLst>
+                            <p:childTnLst>
+                              <p:par>
+                                <p:cTn id="5" presetID="2" presetClass="entr" presetSubtype="4" fill="hold" grpId="0" nodeType="clickEffect">
+                                  <p:stCondLst>
+                                    <p:cond delay="0"/>
+                                  </p:stCondLst>
+                                  <p:childTnLst>
+                                    <p:set>
+                                      <p:cBhvr>
+                                        <p:cTn id="6" dur="1" fill="hold">
+                                          <p:stCondLst>
+                                            <p:cond delay="0"/>
+                                          </p:stCondLst>
+                                        </p:cTn>
+                                        <p:tgtEl>
+                                          <p:spTgt spid="4"/>
+                                        </p:tgtEl>
+                                        <p:attrNameLst>
+                                          <p:attrName>style.visibility</p:attrName>
+                                        </p:attrNameLst>
+                                      </p:cBhvr>
+                                      <p:to>
+                                        <p:strVal val="visible"/>
+                                      </p:to>
+                                    </p:set>
+                                    <p:anim calcmode="lin" valueType="num">
+                                      <p:cBhvr additive="base">
+                                        <p:cTn id="7" dur="500" fill="hold"/>
+                                        <p:tgtEl>
+                                          <p:spTgt spid="4"/>
+                                        </p:tgtEl>
+                                        <p:attrNameLst>
+                                          <p:attrName>ppt_x</p:attrName>
+                                        </p:attrNameLst>
+                                      </p:cBhvr>
+                                      <p:tavLst>
+                                        <p:tav tm="0">
+                                          <p:val>
+                                            <p:strVal val="#ppt_x"/>
+                                          </p:val>
+                                        </p:tav>
+                                        <p:tav tm="100000">
+                                          <p:val>
+                                            <p:strVal val="#ppt_x"/>
+                                          </p:val>
+                                        </p:tav>
+                                      </p:tavLst>
+                                    </p:anim>
+                                    <p:anim calcmode="lin" valueType="num">
+                                      <p:cBhvr additive="base">
+                                        <p:cTn id="8" dur="500" fill="hold"/>
+                                        <p:tgtEl>
+                                          <p:spTgt spid="4"/>
+                                        </p:tgtEl>
+                                        <p:attrNameLst>
+                                          <p:attrName>ppt_y</p:attrName>
+                                        </p:attrNameLst>
+                                      </p:cBhvr>
+                                      <p:tavLst>
+                                        <p:tav tm="0">
+                                          <p:val>
+                                            <p:strVal val="1+#ppt_h/2"/>
+                                          </p:val>
+                                        </p:tav>
+                                        <p:tav tm="100000">
+                                          <p:val>
+                                            <p:strVal val="#ppt_y"/>
+                                          </p:val>
+                                        </p:tav>
+                                      </p:tavLst>
+                                    </p:anim>
+                                  </p:childTnLst>
+                                </p:cTn>
+                              </p:par>
+                            </p:childTnLst>
+                          </p:cTn>
+                        </p:par>
+                      </p:childTnLst>
+                    </p:cTn>
+                  </p:par>
+                  <p:par>
+                    <p:cTn id="9" fill="hold">
+                      <p:stCondLst>
+                        <p:cond delay="indefinite"/>
+                      </p:stCondLst>
+                      <p:childTnLst>
+                        <p:par>
+                          <p:cTn id="10" fill="hold">
+                            <p:stCondLst>
+                              <p:cond delay="0"/>
+                            </p:stCondLst>
+                            <p:childTnLst>
+                              <p:par>
+                                <p:cTn id="11" presetID="2" presetClass="entr" presetSubtype="4" fill="hold" grpId="0" nodeType="clickEffect">
+                                  <p:stCondLst>
+                                    <p:cond delay="0"/>
+                                  </p:stCondLst>
+                                  <p:childTnLst>
+                                    <p:set>
+                                      <p:cBhvr>
+                                        <p:cTn id="12" dur="1" fill="hold">
+                                          <p:stCondLst>
+                                            <p:cond delay="0"/>
+                                          </p:stCondLst>
+                                        </p:cTn>
+                                        <p:tgtEl>
+                                          <p:spTgt spid="5"/>
+                                        </p:tgtEl>
+                                        <p:attrNameLst>
+                                          <p:attrName>style.visibility</p:attrName>
+                                        </p:attrNameLst>
+                                      </p:cBhvr>
+                                      <p:to>
+                                        <p:strVal val="visible"/>
+                                      </p:to>
+                                    </p:set>
+                                    <p:anim calcmode="lin" valueType="num">
+                                      <p:cBhvr additive="base">
+                                        <p:cTn id="13" dur="500" fill="hold"/>
+                                        <p:tgtEl>
+                                          <p:spTgt spid="5"/>
+                                        </p:tgtEl>
+                                        <p:attrNameLst>
+                                          <p:attrName>ppt_x</p:attrName>
+                                        </p:attrNameLst>
+                                      </p:cBhvr>
+                                      <p:tavLst>
+                                        <p:tav tm="0">
+                                          <p:val>
+                                            <p:strVal val="#ppt_x"/>
+                                          </p:val>
+                                        </p:tav>
+                                        <p:tav tm="100000">
+                                          <p:val>
+                                            <p:strVal val="#ppt_x"/>
+                                          </p:val>
+                                        </p:tav>
+                                      </p:tavLst>
+                                    </p:anim>
+                                    <p:anim calcmode="lin" valueType="num">
+                                      <p:cBhvr additive="base">
+                                        <p:cTn id="14" dur="500" fill="hold"/>
+                                        <p:tgtEl>
+                                          <p:spTgt spid="5"/>
+                                        </p:tgtEl>
+                                        <p:attrNameLst>
+                                          <p:attrName>ppt_y</p:attrName>
+                                        </p:attrNameLst>
+                                      </p:cBhvr>
+                                      <p:tavLst>
+                                        <p:tav tm="0">
+                                          <p:val>
+                                            <p:strVal val="1+#ppt_h/2"/>
+                                          </p:val>
+                                        </p:tav>
+                                        <p:tav tm="100000">
+                                          <p:val>
+                                            <p:strVal val="#ppt_y"/>
+                                          </p:val>
+                                        </p:tav>
+                                      </p:tavLst>
+                                    </p:anim>
+                                  </p:childTnLst>
+                                </p:cTn>
+                              </p:par>
+                            </p:childTnLst>
+                          </p:cTn>
+                        </p:par>
+                      </p:childTnLst>
+                    </p:cTn>
+                  </p:par>
+                  <p:par>
+                    <p:cTn id="15" fill="hold">
+                      <p:stCondLst>
+                        <p:cond delay="indefinite"/>
+                      </p:stCondLst>
+                      <p:childTnLst>
+                        <p:par>
+                          <p:cTn id="16" fill="hold">
+                            <p:stCondLst>
+                              <p:cond delay="0"/>
+                            </p:stCondLst>
+                            <p:childTnLst>
+                              <p:par>
+                                <p:cTn id="17" presetID="2" presetClass="entr" presetSubtype="4" fill="hold" grpId="0" nodeType="clickEffect">
+                                  <p:stCondLst>
+                                    <p:cond delay="0"/>
+                                  </p:stCondLst>
+                                  <p:childTnLst>
+                                    <p:set>
+                                      <p:cBhvr>
+                                        <p:cTn id="18" dur="1" fill="hold">
+                                          <p:stCondLst>
+                                            <p:cond delay="0"/>
+                                          </p:stCondLst>
+                                        </p:cTn>
+                                        <p:tgtEl>
+                                          <p:spTgt spid="6"/>
+                                        </p:tgtEl>
+                                        <p:attrNameLst>
+                                          <p:attrName>style.visibility</p:attrName>
+                                        </p:attrNameLst>
+                                      </p:cBhvr>
+                                      <p:to>
+                                        <p:strVal val="visible"/>
+                                      </p:to>
+                                    </p:set>
+                                    <p:anim calcmode="lin" valueType="num">
+                                      <p:cBhvr additive="base">
+                                        <p:cTn id="19" dur="500" fill="hold"/>
+                                        <p:tgtEl>
+                                          <p:spTgt spid="6"/>
+                                        </p:tgtEl>
+                                        <p:attrNameLst>
+                                          <p:attrName>ppt_x</p:attrName>
+                                        </p:attrNameLst>
+                                      </p:cBhvr>
+                                      <p:tavLst>
+                                        <p:tav tm="0">
+                                          <p:val>
+                                            <p:strVal val="#ppt_x"/>
+                                          </p:val>
+                                        </p:tav>
+                                        <p:tav tm="100000">
+                                          <p:val>
+                                            <p:strVal val="#ppt_x"/>
+                                          </p:val>
+                                        </p:tav>
+                                      </p:tavLst>
+                                    </p:anim>
+                                    <p:anim calcmode="lin" valueType="num">
+                                      <p:cBhvr additive="base">
+                                        <p:cTn id="20" dur="500" fill="hold"/>
+                                        <p:tgtEl>
+                                          <p:spTgt spid="6"/>
+                                        </p:tgtEl>
+                                        <p:attrNameLst>
+                                          <p:attrName>ppt_y</p:attrName>
+                                        </p:attrNameLst>
+                                      </p:cBhvr>
+                                      <p:tavLst>
+                                        <p:tav tm="0">
+                                          <p:val>
+                                            <p:strVal val="1+#ppt_h/2"/>
+                                          </p:val>
+                                        </p:tav>
+                                        <p:tav tm="100000">
+                                          <p:val>
+                                            <p:strVal val="#ppt_y"/>
+                                          </p:val>
+                                        </p:tav>
+                                      </p:tavLst>
+                                    </p:anim>
+                                  </p:childTnLst>
+                                </p:cTn>
+                              </p:par>
+                            </p:childTnLst>
+                          </p:cTn>
+                        </p:par>
+                      </p:childTnLst>
+                    </p:cTn>
+                  </p:par>
+                </p:childTnLst>
+              </p:cTn>
+              <p:prevCondLst>
+                <p:cond evt="onPrev" delay="0">
+                  <p:tgtEl>
+                    <p:sldTgt/>
+                  </p:tgtEl>
+                </p:cond>
+              </p:prevCondLst>
+              <p:nextCondLst>
+                <p:cond evt="onNext" delay="0">
+                  <p:tgtEl>
+                    <p:sldTgt/>
+                  </p:tgtEl>
+                </p:cond>
+              </p:nextCondLst>
+            </p:seq>
+          </p:childTnLst>
+        </p:cTn>
+      </p:par>
+    </p:tnLst>
+    <p:bldLst>
+      <p:bldP spid="4" grpId="0"/>
+      <p:bldP spid="5" grpId="0"/>
+      <p:bldP spid="6" grpId="0"/>
+    </p:bldLst>
+  </p:timing>
+</p:sld>
+</file>
+
+<file path=ppt/slides/slide9.xml><?xml version="1.0" encoding="utf-8"?>
+<p:sld xmlns:a="http://schemas.openxmlformats.org/drawingml/2006/main" xmlns:r="http://schemas.openxmlformats.org/officeDocument/2006/relationships" xmlns:p="http://schemas.openxmlformats.org/presentationml/2006/main">
+  <p:cSld>
+    <p:spTree>
+      <p:nvGrpSpPr>
+        <p:cNvPr id="1" name=""/>
+        <p:cNvGrpSpPr/>
+        <p:nvPr/>
+      </p:nvGrpSpPr>
+      <p:grpSpPr/>
+      <p:sp>
+        <p:nvSpPr>
+          <p:cNvPr id="8" name="标题 7"/>
+          <p:cNvSpPr>
+            <a:spLocks noGrp="1"/>
+          </p:cNvSpPr>
+          <p:nvPr>
+            <p:ph type="title"/>
+          </p:nvPr>
+        </p:nvSpPr>
+        <p:spPr>
+          <a:xfrm>
+            <a:off x="480060" y="608965"/>
+            <a:ext cx="8183880" cy="625475"/>
+          </a:xfrm>
+        </p:spPr>
+        <p:txBody>
+          <a:bodyPr>
+            <a:normAutofit fontScale="90000"/>
+          </a:bodyPr>
+          <a:p>
+            <a:r>
+              <a:rPr lang="zh-CN" altLang="en-US" dirty="0"/>
+              <a:t>音频相关术语解释：</a:t>
+            </a:r>
+            <a:endParaRPr lang="zh-CN" altLang="en-US" dirty="0"/>
+          </a:p>
+        </p:txBody>
+      </p:sp>
+      <p:sp>
+        <p:nvSpPr>
+          <p:cNvPr id="4" name="文本框 3"/>
+          <p:cNvSpPr txBox="1"/>
+          <p:nvPr/>
+        </p:nvSpPr>
+        <p:spPr>
+          <a:xfrm>
+            <a:off x="637540" y="1600835"/>
+            <a:ext cx="7822565" cy="368300"/>
+          </a:xfrm>
+          <a:prstGeom prst="rect">
+            <a:avLst/>
+          </a:prstGeom>
+          <a:noFill/>
+        </p:spPr>
+        <p:txBody>
+          <a:bodyPr wrap="square" rtlCol="0">
+            <a:spAutoFit/>
+          </a:bodyPr>
+          <a:p>
+            <a:r>
+              <a:rPr lang="zh-CN" altLang="en-US"/>
+              <a:t>码率（比特率）：每秒播放多少</a:t>
+            </a:r>
+            <a:r>
+              <a:rPr lang="en-US" altLang="zh-CN"/>
+              <a:t>bit</a:t>
+            </a:r>
+            <a:endParaRPr lang="en-US" altLang="zh-CN"/>
+          </a:p>
+        </p:txBody>
+      </p:sp>
+      <p:sp>
+        <p:nvSpPr>
+          <p:cNvPr id="5" name="文本框 4"/>
+          <p:cNvSpPr txBox="1"/>
+          <p:nvPr/>
+        </p:nvSpPr>
+        <p:spPr>
+          <a:xfrm>
+            <a:off x="621030" y="2230120"/>
+            <a:ext cx="7822565" cy="922020"/>
+          </a:xfrm>
+          <a:prstGeom prst="rect">
+            <a:avLst/>
+          </a:prstGeom>
+          <a:noFill/>
+        </p:spPr>
+        <p:txBody>
+          <a:bodyPr wrap="square" rtlCol="0">
+            <a:spAutoFit/>
+          </a:bodyPr>
+          <a:p>
+            <a:r>
+              <a:rPr lang="zh-CN" altLang="en-US"/>
+              <a:t>采样率：用数字表示声音波形的一种方式，采样率越高，对声音的还原越精确，网络传播的</a:t>
+            </a:r>
+            <a:r>
+              <a:rPr lang="en-US" altLang="zh-CN"/>
+              <a:t>mp3</a:t>
+            </a:r>
+            <a:r>
+              <a:rPr lang="zh-CN" altLang="en-US"/>
+              <a:t>文件采样率一般为</a:t>
+            </a:r>
+            <a:r>
+              <a:rPr lang="en-US" altLang="zh-CN"/>
+              <a:t>44.1KHz</a:t>
+            </a:r>
+            <a:r>
+              <a:rPr lang="zh-CN" altLang="en-US"/>
+              <a:t>（每秒</a:t>
+            </a:r>
+            <a:r>
+              <a:rPr lang="en-US" altLang="zh-CN"/>
+              <a:t>44100</a:t>
+            </a:r>
+            <a:r>
+              <a:rPr lang="zh-CN" altLang="en-US"/>
+              <a:t>个点</a:t>
+            </a:r>
+            <a:r>
+              <a:rPr lang="zh-CN" altLang="en-US"/>
+              <a:t>），音频文件的采样率都是恒定的</a:t>
+            </a:r>
+            <a:endParaRPr lang="zh-CN" altLang="en-US"/>
+          </a:p>
+        </p:txBody>
+      </p:sp>
+      <p:sp>
+        <p:nvSpPr>
+          <p:cNvPr id="9" name="文本框 8"/>
+          <p:cNvSpPr txBox="1"/>
+          <p:nvPr/>
+        </p:nvSpPr>
+        <p:spPr>
+          <a:xfrm>
+            <a:off x="681990" y="3296920"/>
+            <a:ext cx="7562215" cy="645160"/>
+          </a:xfrm>
+          <a:prstGeom prst="rect">
+            <a:avLst/>
+          </a:prstGeom>
+          <a:noFill/>
+        </p:spPr>
+        <p:txBody>
+          <a:bodyPr wrap="square" rtlCol="0">
+            <a:spAutoFit/>
+          </a:bodyPr>
+          <a:p>
+            <a:r>
+              <a:rPr lang="zh-CN" altLang="en-US"/>
+              <a:t>采样数：对于</a:t>
+            </a:r>
+            <a:r>
+              <a:rPr lang="en-US" altLang="zh-CN"/>
+              <a:t>MP3</a:t>
+            </a:r>
+            <a:r>
+              <a:rPr lang="zh-CN" altLang="en-US"/>
+              <a:t>音频文件来说，数据都是由一帧一帧组成的，每一帧存储了相同个数的采样点数据（</a:t>
+            </a:r>
+            <a:r>
+              <a:rPr lang="en-US" altLang="zh-CN"/>
+              <a:t>1152</a:t>
+            </a:r>
+            <a:r>
+              <a:rPr lang="zh-CN" altLang="en-US"/>
+              <a:t>）</a:t>
+            </a:r>
+            <a:endParaRPr lang="zh-CN" altLang="en-US"/>
+          </a:p>
+        </p:txBody>
+      </p:sp>
+      <p:pic>
+        <p:nvPicPr>
+          <p:cNvPr id="10" name="图片 9"/>
+          <p:cNvPicPr>
+            <a:picLocks noChangeAspect="1"/>
+          </p:cNvPicPr>
+          <p:nvPr/>
+        </p:nvPicPr>
+        <p:blipFill>
+          <a:blip r:embed="rId1"/>
+          <a:stretch>
+            <a:fillRect/>
+          </a:stretch>
+        </p:blipFill>
+        <p:spPr>
+          <a:xfrm>
+            <a:off x="2098040" y="3942080"/>
+            <a:ext cx="4159885" cy="1490980"/>
+          </a:xfrm>
+          <a:prstGeom prst="rect">
+            <a:avLst/>
+          </a:prstGeom>
+        </p:spPr>
+      </p:pic>
+      <p:sp>
+        <p:nvSpPr>
+          <p:cNvPr id="11" name="文本框 10"/>
+          <p:cNvSpPr txBox="1"/>
+          <p:nvPr/>
+        </p:nvSpPr>
+        <p:spPr>
+          <a:xfrm>
+            <a:off x="2860675" y="5455285"/>
+            <a:ext cx="4156710" cy="306705"/>
+          </a:xfrm>
+          <a:prstGeom prst="rect">
+            <a:avLst/>
+          </a:prstGeom>
+          <a:noFill/>
+        </p:spPr>
+        <p:txBody>
+          <a:bodyPr wrap="square" rtlCol="0">
+            <a:spAutoFit/>
+          </a:bodyPr>
+          <a:p>
+            <a:r>
+              <a:rPr lang="en-US" altLang="zh-CN" sz="1400">
+                <a:ln/>
+                <a:solidFill>
+                  <a:schemeClr val="accent1"/>
+                </a:solidFill>
+                <a:effectLst>
+                  <a:outerShdw blurRad="38100" dist="25400" dir="5400000" algn="ctr" rotWithShape="0">
+                    <a:srgbClr val="6E747A">
+                      <a:alpha val="43000"/>
+                    </a:srgbClr>
+                  </a:outerShdw>
+                </a:effectLst>
+              </a:rPr>
+              <a:t>MP3</a:t>
+            </a:r>
+            <a:r>
+              <a:rPr lang="zh-CN" altLang="en-US" sz="1400">
+                <a:ln/>
+                <a:solidFill>
+                  <a:schemeClr val="accent1"/>
+                </a:solidFill>
+                <a:effectLst>
+                  <a:outerShdw blurRad="38100" dist="25400" dir="5400000" algn="ctr" rotWithShape="0">
+                    <a:srgbClr val="6E747A">
+                      <a:alpha val="43000"/>
+                    </a:srgbClr>
+                  </a:outerShdw>
+                </a:effectLst>
+              </a:rPr>
+              <a:t>属于</a:t>
+            </a:r>
+            <a:r>
+              <a:rPr lang="en-US" altLang="zh-CN" sz="1400">
+                <a:ln/>
+                <a:solidFill>
+                  <a:schemeClr val="accent1"/>
+                </a:solidFill>
+                <a:effectLst>
+                  <a:outerShdw blurRad="38100" dist="25400" dir="5400000" algn="ctr" rotWithShape="0">
+                    <a:srgbClr val="6E747A">
+                      <a:alpha val="43000"/>
+                    </a:srgbClr>
+                  </a:outerShdw>
+                </a:effectLst>
+              </a:rPr>
+              <a:t>MPEG 1</a:t>
+            </a:r>
+            <a:r>
+              <a:rPr lang="zh-CN" altLang="en-US" sz="1400">
+                <a:ln/>
+                <a:solidFill>
+                  <a:schemeClr val="accent1"/>
+                </a:solidFill>
+                <a:effectLst>
+                  <a:outerShdw blurRad="38100" dist="25400" dir="5400000" algn="ctr" rotWithShape="0">
+                    <a:srgbClr val="6E747A">
+                      <a:alpha val="43000"/>
+                    </a:srgbClr>
+                  </a:outerShdw>
+                </a:effectLst>
+              </a:rPr>
+              <a:t>格式的一种</a:t>
+            </a:r>
+            <a:endParaRPr lang="zh-CN" altLang="en-US" sz="1400">
+              <a:ln/>
+              <a:solidFill>
+                <a:schemeClr val="accent1"/>
+              </a:solidFill>
+              <a:effectLst>
+                <a:outerShdw blurRad="38100" dist="25400" dir="5400000" algn="ctr" rotWithShape="0">
+                  <a:srgbClr val="6E747A">
+                    <a:alpha val="43000"/>
+                  </a:srgbClr>
+                </a:outerShdw>
+              </a:effectLst>
+            </a:endParaRPr>
+          </a:p>
+        </p:txBody>
+      </p:sp>
+    </p:spTree>
+  </p:cSld>
+  <p:clrMapOvr>
+    <a:masterClrMapping/>
+  </p:clrMapOvr>
+  <p:timing>
+    <p:tnLst>
+      <p:par>
+        <p:cTn id="1" dur="indefinite" restart="never" nodeType="tmRoot">
+          <p:childTnLst>
+            <p:seq concurrent="1" nextAc="seek">
+              <p:cTn id="2" dur="indefinite" nodeType="mainSeq">
+                <p:childTnLst>
+                  <p:par>
+                    <p:cTn id="3" fill="hold">
+                      <p:stCondLst>
+                        <p:cond delay="indefinite"/>
+                      </p:stCondLst>
+                      <p:childTnLst>
+                        <p:par>
+                          <p:cTn id="4" fill="hold">
+                            <p:stCondLst>
+                              <p:cond delay="0"/>
+                            </p:stCondLst>
+                            <p:childTnLst>
+                              <p:par>
+                                <p:cTn id="5" presetID="3" presetClass="entr" presetSubtype="10" fill="hold" grpId="0" nodeType="clickEffect">
+                                  <p:stCondLst>
+                                    <p:cond delay="0"/>
+                                  </p:stCondLst>
+                                  <p:childTnLst>
+                                    <p:set>
+                                      <p:cBhvr>
+                                        <p:cTn id="6" dur="1" fill="hold">
+                                          <p:stCondLst>
+                                            <p:cond delay="0"/>
+                                          </p:stCondLst>
+                                        </p:cTn>
+                                        <p:tgtEl>
+                                          <p:spTgt spid="4"/>
+                                        </p:tgtEl>
+                                        <p:attrNameLst>
+                                          <p:attrName>style.visibility</p:attrName>
+                                        </p:attrNameLst>
+                                      </p:cBhvr>
+                                      <p:to>
+                                        <p:strVal val="visible"/>
+                                      </p:to>
+                                    </p:set>
+                                    <p:animEffect transition="in" filter="blinds(horizontal)">
+                                      <p:cBhvr>
+                                        <p:cTn id="7" dur="500"/>
+                                        <p:tgtEl>
+                                          <p:spTgt spid="4"/>
+                                        </p:tgtEl>
+                                      </p:cBhvr>
+                                    </p:animEffect>
+                                  </p:childTnLst>
+                                </p:cTn>
+                              </p:par>
+                            </p:childTnLst>
+                          </p:cTn>
+                        </p:par>
+                      </p:childTnLst>
+                    </p:cTn>
+                  </p:par>
+                  <p:par>
+                    <p:cTn id="8" fill="hold">
+                      <p:stCondLst>
+                        <p:cond delay="indefinite"/>
+                      </p:stCondLst>
+                      <p:childTnLst>
+                        <p:par>
+                          <p:cTn id="9" fill="hold">
+                            <p:stCondLst>
+                              <p:cond delay="0"/>
+                            </p:stCondLst>
+                            <p:childTnLst>
+                              <p:par>
+                                <p:cTn id="10" presetID="3" presetClass="entr" presetSubtype="10" fill="hold" grpId="0" nodeType="clickEffect">
+                                  <p:stCondLst>
+                                    <p:cond delay="0"/>
+                                  </p:stCondLst>
+                                  <p:childTnLst>
+                                    <p:set>
+                                      <p:cBhvr>
+                                        <p:cTn id="11" dur="1" fill="hold">
+                                          <p:stCondLst>
+                                            <p:cond delay="0"/>
+                                          </p:stCondLst>
+                                        </p:cTn>
+                                        <p:tgtEl>
+                                          <p:spTgt spid="5"/>
+                                        </p:tgtEl>
+                                        <p:attrNameLst>
+                                          <p:attrName>style.visibility</p:attrName>
+                                        </p:attrNameLst>
+                                      </p:cBhvr>
+                                      <p:to>
+                                        <p:strVal val="visible"/>
+                                      </p:to>
+                                    </p:set>
+                                    <p:animEffect transition="in" filter="blinds(horizontal)">
+                                      <p:cBhvr>
+                                        <p:cTn id="12" dur="500"/>
+                                        <p:tgtEl>
+                                          <p:spTgt spid="5"/>
+                                        </p:tgtEl>
+                                      </p:cBhvr>
+                                    </p:animEffect>
+                                  </p:childTnLst>
+                                </p:cTn>
+                              </p:par>
+                            </p:childTnLst>
+                          </p:cTn>
+                        </p:par>
+                      </p:childTnLst>
+                    </p:cTn>
+                  </p:par>
+                  <p:par>
+                    <p:cTn id="13" fill="hold">
+                      <p:stCondLst>
+                        <p:cond delay="indefinite"/>
+                      </p:stCondLst>
+                      <p:childTnLst>
+                        <p:par>
+                          <p:cTn id="14" fill="hold">
+                            <p:stCondLst>
+                              <p:cond delay="0"/>
+                            </p:stCondLst>
+                            <p:childTnLst>
+                              <p:par>
+                                <p:cTn id="15" presetID="3" presetClass="entr" presetSubtype="10" fill="hold" grpId="0" nodeType="clickEffect">
+                                  <p:stCondLst>
+                                    <p:cond delay="0"/>
+                                  </p:stCondLst>
+                                  <p:childTnLst>
+                                    <p:set>
+                                      <p:cBhvr>
+                                        <p:cTn id="16" dur="1" fill="hold">
+                                          <p:stCondLst>
+                                            <p:cond delay="0"/>
+                                          </p:stCondLst>
+                                        </p:cTn>
+                                        <p:tgtEl>
+                                          <p:spTgt spid="9"/>
+                                        </p:tgtEl>
+                                        <p:attrNameLst>
+                                          <p:attrName>style.visibility</p:attrName>
+                                        </p:attrNameLst>
+                                      </p:cBhvr>
+                                      <p:to>
+                                        <p:strVal val="visible"/>
+                                      </p:to>
+                                    </p:set>
+                                    <p:animEffect transition="in" filter="blinds(horizontal)">
+                                      <p:cBhvr>
+                                        <p:cTn id="17" dur="500"/>
+                                        <p:tgtEl>
+                                          <p:spTgt spid="9"/>
+                                        </p:tgtEl>
+                                      </p:cBhvr>
+                                    </p:animEffect>
+                                  </p:childTnLst>
+                                </p:cTn>
+                              </p:par>
+                            </p:childTnLst>
+                          </p:cTn>
+                        </p:par>
+                      </p:childTnLst>
+                    </p:cTn>
+                  </p:par>
+                </p:childTnLst>
+              </p:cTn>
+              <p:prevCondLst>
+                <p:cond evt="onPrev" delay="0">
+                  <p:tgtEl>
+                    <p:sldTgt/>
+                  </p:tgtEl>
+                </p:cond>
+              </p:prevCondLst>
+              <p:nextCondLst>
+                <p:cond evt="onNext" delay="0">
+                  <p:tgtEl>
+                    <p:sldTgt/>
+                  </p:tgtEl>
+                </p:cond>
+              </p:nextCondLst>
+            </p:seq>
+          </p:childTnLst>
+        </p:cTn>
+      </p:par>
+    </p:tnLst>
+    <p:bldLst>
+      <p:bldP spid="4" grpId="0"/>
+      <p:bldP spid="5" grpId="0"/>
+      <p:bldP spid="9" grpId="0"/>
+    </p:bldLst>
+  </p:timing>
 </p:sld>
 </file>
 

--- a/AudioContext.pptx
+++ b/AudioContext.pptx
@@ -3949,11 +3949,7 @@
             </a:r>
             <a:r>
               <a:rPr lang="zh-CN" altLang="en-US" dirty="0"/>
-              <a:t>文件总体格式</a:t>
-            </a:r>
-            <a:r>
-              <a:rPr lang="zh-CN" altLang="en-US" dirty="0"/>
-              <a:t>：</a:t>
+              <a:t>文件总体格式：</a:t>
             </a:r>
             <a:endParaRPr lang="zh-CN" altLang="en-US" dirty="0"/>
           </a:p>
@@ -4364,7 +4360,7 @@
               <a:rPr lang="zh-CN" altLang="en-US" sz="3200" dirty="0">
                 <a:sym typeface="+mn-ea"/>
               </a:rPr>
-              <a:t>（动态码率</a:t>
+              <a:t>（恒定码率</a:t>
             </a:r>
             <a:r>
               <a:rPr lang="en-US" altLang="zh-CN" sz="3200" dirty="0">
@@ -4427,11 +4423,7 @@
             </a:r>
             <a:r>
               <a:rPr lang="zh-CN" altLang="en-US" dirty="0"/>
-              <a:t>模式</a:t>
-            </a:r>
-            <a:r>
-              <a:rPr lang="zh-CN" altLang="en-US" dirty="0"/>
-              <a:t>：</a:t>
+              <a:t>模式：</a:t>
             </a:r>
             <a:endParaRPr lang="zh-CN" altLang="en-US" dirty="0"/>
           </a:p>
@@ -4472,11 +4464,7 @@
             </a:r>
             <a:r>
               <a:rPr lang="en-US" altLang="zh-CN"/>
-              <a:t>”</a:t>
-            </a:r>
-            <a:r>
-              <a:rPr lang="en-US" altLang="zh-CN"/>
-              <a:t>Xing”</a:t>
+              <a:t>”Xing”</a:t>
             </a:r>
             <a:endParaRPr lang="en-US" altLang="zh-CN"/>
           </a:p>
@@ -4670,6 +4658,10 @@
             </a:r>
             <a:r>
               <a:rPr lang="en-US" altLang="zh-CN"/>
+              <a:t>*100</a:t>
+            </a:r>
+            <a:r>
+              <a:rPr lang="en-US" altLang="zh-CN"/>
               <a:t>]/256</a:t>
             </a:r>
             <a:endParaRPr lang="zh-CN" altLang="en-US"/>
@@ -4882,13 +4874,7 @@
               <a:rPr lang="en-US" altLang="zh-CN">
                 <a:sym typeface="+mn-ea"/>
               </a:rPr>
-              <a:t>15/150*</a:t>
-            </a:r>
-            <a:r>
-              <a:rPr lang="en-US" altLang="zh-CN">
-                <a:sym typeface="+mn-ea"/>
-              </a:rPr>
-              <a:t>100000</a:t>
+              <a:t>15/150*100000</a:t>
             </a:r>
             <a:endParaRPr lang="zh-CN" altLang="en-US">
               <a:sym typeface="+mn-ea"/>
@@ -4927,11 +4913,7 @@
             </a:r>
             <a:r>
               <a:rPr lang="en-US" altLang="zh-CN"/>
-              <a:t>*8</a:t>
-            </a:r>
-            <a:r>
-              <a:rPr lang="en-US" altLang="zh-CN"/>
-              <a:t>/</a:t>
+              <a:t>*8/</a:t>
             </a:r>
             <a:r>
               <a:rPr lang="zh-CN" altLang="en-US"/>
@@ -7156,24 +7138,7 @@
                 <a:latin typeface="+mj-ea"/>
                 <a:ea typeface="+mj-ea"/>
               </a:rPr>
-              <a:t>头</a:t>
-            </a:r>
-            <a:r>
-              <a:rPr lang="zh-CN" altLang="en-US" sz="2400">
-                <a:solidFill>
-                  <a:schemeClr val="tx1"/>
-                </a:solidFill>
-                <a:effectLst>
-                  <a:outerShdw blurRad="38100" dist="19050" dir="2700000" algn="tl" rotWithShape="0">
-                    <a:schemeClr val="dk1">
-                      <a:alpha val="40000"/>
-                    </a:schemeClr>
-                  </a:outerShdw>
-                </a:effectLst>
-                <a:latin typeface="+mj-ea"/>
-                <a:ea typeface="+mj-ea"/>
-              </a:rPr>
-              <a:t>），分成小段音频数据存储在内存</a:t>
+              <a:t>头），分成小段音频数据存储在内存</a:t>
             </a:r>
             <a:endParaRPr lang="zh-CN" altLang="en-US" sz="2400">
               <a:solidFill>
@@ -7686,11 +7651,7 @@
             </a:r>
             <a:r>
               <a:rPr lang="zh-CN" altLang="en-US"/>
-              <a:t>个点</a:t>
-            </a:r>
-            <a:r>
-              <a:rPr lang="zh-CN" altLang="en-US"/>
-              <a:t>），音频文件的采样率都是恒定的</a:t>
+              <a:t>个点），音频文件的采样率都是恒定的</a:t>
             </a:r>
             <a:endParaRPr lang="zh-CN" altLang="en-US"/>
           </a:p>
@@ -7788,7 +7749,6 @@
           <a:p>
             <a:r>
               <a:rPr lang="en-US" altLang="zh-CN" sz="1400">
-                <a:ln/>
                 <a:solidFill>
                   <a:schemeClr val="accent1"/>
                 </a:solidFill>
@@ -7804,7 +7764,6 @@
             </a:r>
             <a:r>
               <a:rPr lang="zh-CN" altLang="en-US" sz="1400">
-                <a:ln/>
                 <a:solidFill>
                   <a:schemeClr val="accent1"/>
                 </a:solidFill>
@@ -7820,7 +7779,6 @@
             </a:r>
             <a:r>
               <a:rPr lang="en-US" altLang="zh-CN" sz="1400">
-                <a:ln/>
                 <a:solidFill>
                   <a:schemeClr val="accent1"/>
                 </a:solidFill>
@@ -7836,7 +7794,6 @@
             </a:r>
             <a:r>
               <a:rPr lang="zh-CN" altLang="en-US" sz="1400">
-                <a:ln/>
                 <a:solidFill>
                   <a:schemeClr val="accent1"/>
                 </a:solidFill>
@@ -7851,7 +7808,6 @@
               <a:t>格式的一种</a:t>
             </a:r>
             <a:endParaRPr lang="zh-CN" altLang="en-US" sz="1400">
-              <a:ln/>
               <a:solidFill>
                 <a:schemeClr val="accent1"/>
               </a:solidFill>
